--- a/Final_Project_ppt_Purwadhika.pptx
+++ b/Final_Project_ppt_Purwadhika.pptx
@@ -5,18 +5,31 @@
     <p:sldMasterId id="2147484157" r:id="rId1"/>
   </p:sldMasterIdLst>
   <p:notesMasterIdLst>
-    <p:notesMasterId r:id="rId11"/>
+    <p:notesMasterId r:id="rId24"/>
   </p:notesMasterIdLst>
   <p:sldIdLst>
     <p:sldId id="256" r:id="rId2"/>
-    <p:sldId id="257" r:id="rId3"/>
-    <p:sldId id="259" r:id="rId4"/>
-    <p:sldId id="263" r:id="rId5"/>
-    <p:sldId id="258" r:id="rId6"/>
-    <p:sldId id="260" r:id="rId7"/>
-    <p:sldId id="261" r:id="rId8"/>
-    <p:sldId id="262" r:id="rId9"/>
-    <p:sldId id="264" r:id="rId10"/>
+    <p:sldId id="266" r:id="rId3"/>
+    <p:sldId id="257" r:id="rId4"/>
+    <p:sldId id="259" r:id="rId5"/>
+    <p:sldId id="263" r:id="rId6"/>
+    <p:sldId id="258" r:id="rId7"/>
+    <p:sldId id="267" r:id="rId8"/>
+    <p:sldId id="271" r:id="rId9"/>
+    <p:sldId id="272" r:id="rId10"/>
+    <p:sldId id="273" r:id="rId11"/>
+    <p:sldId id="274" r:id="rId12"/>
+    <p:sldId id="275" r:id="rId13"/>
+    <p:sldId id="276" r:id="rId14"/>
+    <p:sldId id="277" r:id="rId15"/>
+    <p:sldId id="278" r:id="rId16"/>
+    <p:sldId id="270" r:id="rId17"/>
+    <p:sldId id="265" r:id="rId18"/>
+    <p:sldId id="269" r:id="rId19"/>
+    <p:sldId id="268" r:id="rId20"/>
+    <p:sldId id="260" r:id="rId21"/>
+    <p:sldId id="262" r:id="rId22"/>
+    <p:sldId id="264" r:id="rId23"/>
   </p:sldIdLst>
   <p:sldSz cx="12192000" cy="6858000"/>
   <p:notesSz cx="6858000" cy="9144000"/>
@@ -205,7 +218,7 @@
           <a:p>
             <a:fld id="{9670C2A0-3C99-EE42-B76C-76A8F262E80C}" type="datetimeFigureOut">
               <a:rPr lang="en-US" smtClean="0"/>
-              <a:t>4/6/21</a:t>
+              <a:t>4/11/21</a:t>
             </a:fld>
             <a:endParaRPr lang="en-US"/>
           </a:p>
@@ -537,7 +550,7 @@
           <a:p>
             <a:fld id="{1EB343C5-ED43-4E4B-BDF4-59B7D476B5D9}" type="slidenum">
               <a:rPr lang="en-US" smtClean="0"/>
-              <a:t>3</a:t>
+              <a:t>4</a:t>
             </a:fld>
             <a:endParaRPr lang="en-US"/>
           </a:p>
@@ -719,7 +732,7 @@
           <a:p>
             <a:fld id="{5103DB7A-D1C9-384D-9A97-44AE8CFD8EAE}" type="datetimeFigureOut">
               <a:rPr lang="en-US" smtClean="0"/>
-              <a:t>4/6/21</a:t>
+              <a:t>4/11/21</a:t>
             </a:fld>
             <a:endParaRPr lang="en-US"/>
           </a:p>
@@ -889,7 +902,7 @@
           <a:p>
             <a:fld id="{5103DB7A-D1C9-384D-9A97-44AE8CFD8EAE}" type="datetimeFigureOut">
               <a:rPr lang="en-US" smtClean="0"/>
-              <a:t>4/6/21</a:t>
+              <a:t>4/11/21</a:t>
             </a:fld>
             <a:endParaRPr lang="en-US"/>
           </a:p>
@@ -1069,7 +1082,7 @@
           <a:p>
             <a:fld id="{5103DB7A-D1C9-384D-9A97-44AE8CFD8EAE}" type="datetimeFigureOut">
               <a:rPr lang="en-US" smtClean="0"/>
-              <a:t>4/6/21</a:t>
+              <a:t>4/11/21</a:t>
             </a:fld>
             <a:endParaRPr lang="en-US"/>
           </a:p>
@@ -1239,7 +1252,7 @@
           <a:p>
             <a:fld id="{5103DB7A-D1C9-384D-9A97-44AE8CFD8EAE}" type="datetimeFigureOut">
               <a:rPr lang="en-US" smtClean="0"/>
-              <a:t>4/6/21</a:t>
+              <a:t>4/11/21</a:t>
             </a:fld>
             <a:endParaRPr lang="en-US"/>
           </a:p>
@@ -1507,7 +1520,7 @@
           <a:p>
             <a:fld id="{5103DB7A-D1C9-384D-9A97-44AE8CFD8EAE}" type="datetimeFigureOut">
               <a:rPr lang="en-US" smtClean="0"/>
-              <a:t>4/6/21</a:t>
+              <a:t>4/11/21</a:t>
             </a:fld>
             <a:endParaRPr lang="en-US"/>
           </a:p>
@@ -1739,7 +1752,7 @@
           <a:p>
             <a:fld id="{5103DB7A-D1C9-384D-9A97-44AE8CFD8EAE}" type="datetimeFigureOut">
               <a:rPr lang="en-US" smtClean="0"/>
-              <a:t>4/6/21</a:t>
+              <a:t>4/11/21</a:t>
             </a:fld>
             <a:endParaRPr lang="en-US"/>
           </a:p>
@@ -2099,7 +2112,7 @@
           <a:p>
             <a:fld id="{5103DB7A-D1C9-384D-9A97-44AE8CFD8EAE}" type="datetimeFigureOut">
               <a:rPr lang="en-US" smtClean="0"/>
-              <a:t>4/6/21</a:t>
+              <a:t>4/11/21</a:t>
             </a:fld>
             <a:endParaRPr lang="en-US"/>
           </a:p>
@@ -2240,7 +2253,7 @@
           <a:p>
             <a:fld id="{5103DB7A-D1C9-384D-9A97-44AE8CFD8EAE}" type="datetimeFigureOut">
               <a:rPr lang="en-US" smtClean="0"/>
-              <a:t>4/6/21</a:t>
+              <a:t>4/11/21</a:t>
             </a:fld>
             <a:endParaRPr lang="en-US"/>
           </a:p>
@@ -2335,7 +2348,7 @@
           <a:p>
             <a:fld id="{5103DB7A-D1C9-384D-9A97-44AE8CFD8EAE}" type="datetimeFigureOut">
               <a:rPr lang="en-US" smtClean="0"/>
-              <a:t>4/6/21</a:t>
+              <a:t>4/11/21</a:t>
             </a:fld>
             <a:endParaRPr lang="en-US"/>
           </a:p>
@@ -2692,7 +2705,7 @@
           <a:p>
             <a:fld id="{5103DB7A-D1C9-384D-9A97-44AE8CFD8EAE}" type="datetimeFigureOut">
               <a:rPr lang="en-US" smtClean="0"/>
-              <a:t>4/6/21</a:t>
+              <a:t>4/11/21</a:t>
             </a:fld>
             <a:endParaRPr lang="en-US"/>
           </a:p>
@@ -3053,7 +3066,7 @@
           <a:p>
             <a:fld id="{5103DB7A-D1C9-384D-9A97-44AE8CFD8EAE}" type="datetimeFigureOut">
               <a:rPr lang="en-US" smtClean="0"/>
-              <a:t>4/6/21</a:t>
+              <a:t>4/11/21</a:t>
             </a:fld>
             <a:endParaRPr lang="en-US"/>
           </a:p>
@@ -3292,7 +3305,7 @@
           <a:p>
             <a:fld id="{5103DB7A-D1C9-384D-9A97-44AE8CFD8EAE}" type="datetimeFigureOut">
               <a:rPr lang="en-US" smtClean="0"/>
-              <a:t>4/6/21</a:t>
+              <a:t>4/11/21</a:t>
             </a:fld>
             <a:endParaRPr lang="en-US"/>
           </a:p>
@@ -3823,6 +3836,1472 @@
 </p:sld>
 </file>
 
+<file path=ppt/slides/slide10.xml><?xml version="1.0" encoding="utf-8"?>
+<p:sld xmlns:a="http://schemas.openxmlformats.org/drawingml/2006/main" xmlns:r="http://schemas.openxmlformats.org/officeDocument/2006/relationships" xmlns:p="http://schemas.openxmlformats.org/presentationml/2006/main">
+  <p:cSld>
+    <p:spTree>
+      <p:nvGrpSpPr>
+        <p:cNvPr id="1" name=""/>
+        <p:cNvGrpSpPr/>
+        <p:nvPr/>
+      </p:nvGrpSpPr>
+      <p:grpSpPr>
+        <a:xfrm>
+          <a:off x="0" y="0"/>
+          <a:ext cx="0" cy="0"/>
+          <a:chOff x="0" y="0"/>
+          <a:chExt cx="0" cy="0"/>
+        </a:xfrm>
+      </p:grpSpPr>
+      <p:sp>
+        <p:nvSpPr>
+          <p:cNvPr id="2" name="Title 1">
+            <a:extLst>
+              <a:ext uri="{FF2B5EF4-FFF2-40B4-BE49-F238E27FC236}">
+                <a16:creationId xmlns:a16="http://schemas.microsoft.com/office/drawing/2014/main" id="{24FDE9C5-F746-304B-94BE-789653FD7DED}"/>
+              </a:ext>
+            </a:extLst>
+          </p:cNvPr>
+          <p:cNvSpPr>
+            <a:spLocks noGrp="1"/>
+          </p:cNvSpPr>
+          <p:nvPr>
+            <p:ph type="title"/>
+          </p:nvPr>
+        </p:nvSpPr>
+        <p:spPr/>
+        <p:txBody>
+          <a:bodyPr/>
+          <a:lstStyle/>
+          <a:p>
+            <a:r>
+              <a:rPr lang="en-US" dirty="0"/>
+              <a:t>genre</a:t>
+            </a:r>
+          </a:p>
+        </p:txBody>
+      </p:sp>
+      <p:pic>
+        <p:nvPicPr>
+          <p:cNvPr id="5" name="Picture 4">
+            <a:extLst>
+              <a:ext uri="{FF2B5EF4-FFF2-40B4-BE49-F238E27FC236}">
+                <a16:creationId xmlns:a16="http://schemas.microsoft.com/office/drawing/2014/main" id="{A062E25B-7239-FD44-804C-EF381D08B379}"/>
+              </a:ext>
+            </a:extLst>
+          </p:cNvPr>
+          <p:cNvPicPr>
+            <a:picLocks noChangeAspect="1"/>
+          </p:cNvPicPr>
+          <p:nvPr/>
+        </p:nvPicPr>
+        <p:blipFill>
+          <a:blip r:embed="rId2"/>
+          <a:stretch>
+            <a:fillRect/>
+          </a:stretch>
+        </p:blipFill>
+        <p:spPr>
+          <a:xfrm>
+            <a:off x="167640" y="2546558"/>
+            <a:ext cx="7988917" cy="3473242"/>
+          </a:xfrm>
+          <a:prstGeom prst="rect">
+            <a:avLst/>
+          </a:prstGeom>
+        </p:spPr>
+      </p:pic>
+      <p:sp>
+        <p:nvSpPr>
+          <p:cNvPr id="6" name="Rectangle 5">
+            <a:extLst>
+              <a:ext uri="{FF2B5EF4-FFF2-40B4-BE49-F238E27FC236}">
+                <a16:creationId xmlns:a16="http://schemas.microsoft.com/office/drawing/2014/main" id="{92734168-7E30-D045-8497-A11E6E795C6D}"/>
+              </a:ext>
+            </a:extLst>
+          </p:cNvPr>
+          <p:cNvSpPr/>
+          <p:nvPr/>
+        </p:nvSpPr>
+        <p:spPr>
+          <a:xfrm>
+            <a:off x="8305800" y="3960013"/>
+            <a:ext cx="3886200" cy="646331"/>
+          </a:xfrm>
+          <a:prstGeom prst="rect">
+            <a:avLst/>
+          </a:prstGeom>
+        </p:spPr>
+        <p:txBody>
+          <a:bodyPr wrap="square">
+            <a:spAutoFit/>
+          </a:bodyPr>
+          <a:lstStyle/>
+          <a:p>
+            <a:r>
+              <a:rPr lang="en-ID" dirty="0">
+                <a:latin typeface="Arial" panose="020B0604020202020204" pitchFamily="34" charset="0"/>
+              </a:rPr>
+              <a:t>In general apps have much higher ratings when they are paid.</a:t>
+            </a:r>
+            <a:endParaRPr lang="en-US" dirty="0"/>
+          </a:p>
+        </p:txBody>
+      </p:sp>
+    </p:spTree>
+    <p:extLst>
+      <p:ext uri="{BB962C8B-B14F-4D97-AF65-F5344CB8AC3E}">
+        <p14:creationId xmlns:p14="http://schemas.microsoft.com/office/powerpoint/2010/main" val="1797824950"/>
+      </p:ext>
+    </p:extLst>
+  </p:cSld>
+  <p:clrMapOvr>
+    <a:masterClrMapping/>
+  </p:clrMapOvr>
+</p:sld>
+</file>
+
+<file path=ppt/slides/slide11.xml><?xml version="1.0" encoding="utf-8"?>
+<p:sld xmlns:a="http://schemas.openxmlformats.org/drawingml/2006/main" xmlns:r="http://schemas.openxmlformats.org/officeDocument/2006/relationships" xmlns:p="http://schemas.openxmlformats.org/presentationml/2006/main">
+  <p:cSld>
+    <p:spTree>
+      <p:nvGrpSpPr>
+        <p:cNvPr id="1" name=""/>
+        <p:cNvGrpSpPr/>
+        <p:nvPr/>
+      </p:nvGrpSpPr>
+      <p:grpSpPr>
+        <a:xfrm>
+          <a:off x="0" y="0"/>
+          <a:ext cx="0" cy="0"/>
+          <a:chOff x="0" y="0"/>
+          <a:chExt cx="0" cy="0"/>
+        </a:xfrm>
+      </p:grpSpPr>
+      <p:sp>
+        <p:nvSpPr>
+          <p:cNvPr id="2" name="Title 1">
+            <a:extLst>
+              <a:ext uri="{FF2B5EF4-FFF2-40B4-BE49-F238E27FC236}">
+                <a16:creationId xmlns:a16="http://schemas.microsoft.com/office/drawing/2014/main" id="{67B31E11-0914-6F4F-91C6-5E084260CB0C}"/>
+              </a:ext>
+            </a:extLst>
+          </p:cNvPr>
+          <p:cNvSpPr>
+            <a:spLocks noGrp="1"/>
+          </p:cNvSpPr>
+          <p:nvPr>
+            <p:ph type="title"/>
+          </p:nvPr>
+        </p:nvSpPr>
+        <p:spPr/>
+        <p:txBody>
+          <a:bodyPr/>
+          <a:lstStyle/>
+          <a:p>
+            <a:r>
+              <a:rPr lang="en-US" dirty="0"/>
+              <a:t>price</a:t>
+            </a:r>
+          </a:p>
+        </p:txBody>
+      </p:sp>
+      <p:pic>
+        <p:nvPicPr>
+          <p:cNvPr id="5" name="Picture 4">
+            <a:extLst>
+              <a:ext uri="{FF2B5EF4-FFF2-40B4-BE49-F238E27FC236}">
+                <a16:creationId xmlns:a16="http://schemas.microsoft.com/office/drawing/2014/main" id="{39997A98-578E-D049-BE7A-60E4B391606F}"/>
+              </a:ext>
+            </a:extLst>
+          </p:cNvPr>
+          <p:cNvPicPr>
+            <a:picLocks noChangeAspect="1"/>
+          </p:cNvPicPr>
+          <p:nvPr/>
+        </p:nvPicPr>
+        <p:blipFill>
+          <a:blip r:embed="rId2"/>
+          <a:stretch>
+            <a:fillRect/>
+          </a:stretch>
+        </p:blipFill>
+        <p:spPr>
+          <a:xfrm>
+            <a:off x="414020" y="2499360"/>
+            <a:ext cx="5338457" cy="3947160"/>
+          </a:xfrm>
+          <a:prstGeom prst="rect">
+            <a:avLst/>
+          </a:prstGeom>
+        </p:spPr>
+      </p:pic>
+      <p:sp>
+        <p:nvSpPr>
+          <p:cNvPr id="6" name="Rectangle 5">
+            <a:extLst>
+              <a:ext uri="{FF2B5EF4-FFF2-40B4-BE49-F238E27FC236}">
+                <a16:creationId xmlns:a16="http://schemas.microsoft.com/office/drawing/2014/main" id="{21445B13-C7BF-064F-B484-93F9599174C6}"/>
+              </a:ext>
+            </a:extLst>
+          </p:cNvPr>
+          <p:cNvSpPr/>
+          <p:nvPr/>
+        </p:nvSpPr>
+        <p:spPr>
+          <a:xfrm>
+            <a:off x="6187440" y="3590836"/>
+            <a:ext cx="5151120" cy="1477328"/>
+          </a:xfrm>
+          <a:prstGeom prst="rect">
+            <a:avLst/>
+          </a:prstGeom>
+        </p:spPr>
+        <p:txBody>
+          <a:bodyPr wrap="square">
+            <a:spAutoFit/>
+          </a:bodyPr>
+          <a:lstStyle/>
+          <a:p>
+            <a:r>
+              <a:rPr lang="en-ID" dirty="0">
+                <a:latin typeface="Arial" panose="020B0604020202020204" pitchFamily="34" charset="0"/>
+              </a:rPr>
+              <a:t>It can be seen that higher price can contribute to higher user rating.</a:t>
+            </a:r>
+            <a:br>
+              <a:rPr lang="en-ID" dirty="0"/>
+            </a:br>
+            <a:br>
+              <a:rPr lang="en-ID" dirty="0"/>
+            </a:br>
+            <a:r>
+              <a:rPr lang="en-ID" dirty="0">
+                <a:latin typeface="Arial" panose="020B0604020202020204" pitchFamily="34" charset="0"/>
+              </a:rPr>
+              <a:t>When the price is too high, user rating can be low.</a:t>
+            </a:r>
+            <a:endParaRPr lang="en-US" dirty="0"/>
+          </a:p>
+        </p:txBody>
+      </p:sp>
+    </p:spTree>
+    <p:extLst>
+      <p:ext uri="{BB962C8B-B14F-4D97-AF65-F5344CB8AC3E}">
+        <p14:creationId xmlns:p14="http://schemas.microsoft.com/office/powerpoint/2010/main" val="3690095647"/>
+      </p:ext>
+    </p:extLst>
+  </p:cSld>
+  <p:clrMapOvr>
+    <a:masterClrMapping/>
+  </p:clrMapOvr>
+</p:sld>
+</file>
+
+<file path=ppt/slides/slide12.xml><?xml version="1.0" encoding="utf-8"?>
+<p:sld xmlns:a="http://schemas.openxmlformats.org/drawingml/2006/main" xmlns:r="http://schemas.openxmlformats.org/officeDocument/2006/relationships" xmlns:p="http://schemas.openxmlformats.org/presentationml/2006/main">
+  <p:cSld>
+    <p:spTree>
+      <p:nvGrpSpPr>
+        <p:cNvPr id="1" name=""/>
+        <p:cNvGrpSpPr/>
+        <p:nvPr/>
+      </p:nvGrpSpPr>
+      <p:grpSpPr>
+        <a:xfrm>
+          <a:off x="0" y="0"/>
+          <a:ext cx="0" cy="0"/>
+          <a:chOff x="0" y="0"/>
+          <a:chExt cx="0" cy="0"/>
+        </a:xfrm>
+      </p:grpSpPr>
+      <p:sp>
+        <p:nvSpPr>
+          <p:cNvPr id="2" name="Title 1">
+            <a:extLst>
+              <a:ext uri="{FF2B5EF4-FFF2-40B4-BE49-F238E27FC236}">
+                <a16:creationId xmlns:a16="http://schemas.microsoft.com/office/drawing/2014/main" id="{39AFCD09-E09B-BB46-8FCA-2A9DF7016587}"/>
+              </a:ext>
+            </a:extLst>
+          </p:cNvPr>
+          <p:cNvSpPr>
+            <a:spLocks noGrp="1"/>
+          </p:cNvSpPr>
+          <p:nvPr>
+            <p:ph type="title"/>
+          </p:nvPr>
+        </p:nvSpPr>
+        <p:spPr/>
+        <p:txBody>
+          <a:bodyPr/>
+          <a:lstStyle/>
+          <a:p>
+            <a:r>
+              <a:rPr lang="en-US" dirty="0"/>
+              <a:t>Supported devices</a:t>
+            </a:r>
+          </a:p>
+        </p:txBody>
+      </p:sp>
+      <p:sp>
+        <p:nvSpPr>
+          <p:cNvPr id="6" name="Rectangle 5">
+            <a:extLst>
+              <a:ext uri="{FF2B5EF4-FFF2-40B4-BE49-F238E27FC236}">
+                <a16:creationId xmlns:a16="http://schemas.microsoft.com/office/drawing/2014/main" id="{51A4E293-7210-7D43-B388-0608B250C37A}"/>
+              </a:ext>
+            </a:extLst>
+          </p:cNvPr>
+          <p:cNvSpPr/>
+          <p:nvPr/>
+        </p:nvSpPr>
+        <p:spPr>
+          <a:xfrm>
+            <a:off x="6693467" y="3696176"/>
+            <a:ext cx="4888933" cy="923330"/>
+          </a:xfrm>
+          <a:prstGeom prst="rect">
+            <a:avLst/>
+          </a:prstGeom>
+        </p:spPr>
+        <p:txBody>
+          <a:bodyPr wrap="square">
+            <a:spAutoFit/>
+          </a:bodyPr>
+          <a:lstStyle/>
+          <a:p>
+            <a:r>
+              <a:rPr lang="en-ID" dirty="0">
+                <a:latin typeface="Arial" panose="020B0604020202020204" pitchFamily="34" charset="0"/>
+              </a:rPr>
+              <a:t>When supported device number is less than 37, user rating can dropped to somewhere above 2 and below 4.</a:t>
+            </a:r>
+            <a:endParaRPr lang="en-US" dirty="0"/>
+          </a:p>
+        </p:txBody>
+      </p:sp>
+      <p:pic>
+        <p:nvPicPr>
+          <p:cNvPr id="8" name="Picture 7">
+            <a:extLst>
+              <a:ext uri="{FF2B5EF4-FFF2-40B4-BE49-F238E27FC236}">
+                <a16:creationId xmlns:a16="http://schemas.microsoft.com/office/drawing/2014/main" id="{1CCE7AF3-ED79-084B-B44C-49D4099AF5CD}"/>
+              </a:ext>
+            </a:extLst>
+          </p:cNvPr>
+          <p:cNvPicPr>
+            <a:picLocks noChangeAspect="1"/>
+          </p:cNvPicPr>
+          <p:nvPr/>
+        </p:nvPicPr>
+        <p:blipFill>
+          <a:blip r:embed="rId2"/>
+          <a:stretch>
+            <a:fillRect/>
+          </a:stretch>
+        </p:blipFill>
+        <p:spPr>
+          <a:xfrm>
+            <a:off x="722630" y="2484886"/>
+            <a:ext cx="5586730" cy="4060185"/>
+          </a:xfrm>
+          <a:prstGeom prst="rect">
+            <a:avLst/>
+          </a:prstGeom>
+        </p:spPr>
+      </p:pic>
+    </p:spTree>
+    <p:extLst>
+      <p:ext uri="{BB962C8B-B14F-4D97-AF65-F5344CB8AC3E}">
+        <p14:creationId xmlns:p14="http://schemas.microsoft.com/office/powerpoint/2010/main" val="1814822915"/>
+      </p:ext>
+    </p:extLst>
+  </p:cSld>
+  <p:clrMapOvr>
+    <a:masterClrMapping/>
+  </p:clrMapOvr>
+</p:sld>
+</file>
+
+<file path=ppt/slides/slide13.xml><?xml version="1.0" encoding="utf-8"?>
+<p:sld xmlns:a="http://schemas.openxmlformats.org/drawingml/2006/main" xmlns:r="http://schemas.openxmlformats.org/officeDocument/2006/relationships" xmlns:p="http://schemas.openxmlformats.org/presentationml/2006/main">
+  <p:cSld>
+    <p:spTree>
+      <p:nvGrpSpPr>
+        <p:cNvPr id="1" name=""/>
+        <p:cNvGrpSpPr/>
+        <p:nvPr/>
+      </p:nvGrpSpPr>
+      <p:grpSpPr>
+        <a:xfrm>
+          <a:off x="0" y="0"/>
+          <a:ext cx="0" cy="0"/>
+          <a:chOff x="0" y="0"/>
+          <a:chExt cx="0" cy="0"/>
+        </a:xfrm>
+      </p:grpSpPr>
+      <p:sp>
+        <p:nvSpPr>
+          <p:cNvPr id="2" name="Title 1">
+            <a:extLst>
+              <a:ext uri="{FF2B5EF4-FFF2-40B4-BE49-F238E27FC236}">
+                <a16:creationId xmlns:a16="http://schemas.microsoft.com/office/drawing/2014/main" id="{B34611FB-83AF-8145-9611-78E0B080CE74}"/>
+              </a:ext>
+            </a:extLst>
+          </p:cNvPr>
+          <p:cNvSpPr>
+            <a:spLocks noGrp="1"/>
+          </p:cNvSpPr>
+          <p:nvPr>
+            <p:ph type="title"/>
+          </p:nvPr>
+        </p:nvSpPr>
+        <p:spPr/>
+        <p:txBody>
+          <a:bodyPr/>
+          <a:lstStyle/>
+          <a:p>
+            <a:r>
+              <a:rPr lang="en-US" dirty="0"/>
+              <a:t>screenshots</a:t>
+            </a:r>
+          </a:p>
+        </p:txBody>
+      </p:sp>
+      <p:pic>
+        <p:nvPicPr>
+          <p:cNvPr id="5" name="Picture 4">
+            <a:extLst>
+              <a:ext uri="{FF2B5EF4-FFF2-40B4-BE49-F238E27FC236}">
+                <a16:creationId xmlns:a16="http://schemas.microsoft.com/office/drawing/2014/main" id="{358AFB47-DD53-9A4A-86A4-A5C4840D8D63}"/>
+              </a:ext>
+            </a:extLst>
+          </p:cNvPr>
+          <p:cNvPicPr>
+            <a:picLocks noChangeAspect="1"/>
+          </p:cNvPicPr>
+          <p:nvPr/>
+        </p:nvPicPr>
+        <p:blipFill>
+          <a:blip r:embed="rId2"/>
+          <a:stretch>
+            <a:fillRect/>
+          </a:stretch>
+        </p:blipFill>
+        <p:spPr>
+          <a:xfrm>
+            <a:off x="322580" y="2579902"/>
+            <a:ext cx="5300980" cy="3919450"/>
+          </a:xfrm>
+          <a:prstGeom prst="rect">
+            <a:avLst/>
+          </a:prstGeom>
+        </p:spPr>
+      </p:pic>
+      <p:sp>
+        <p:nvSpPr>
+          <p:cNvPr id="6" name="Rectangle 5">
+            <a:extLst>
+              <a:ext uri="{FF2B5EF4-FFF2-40B4-BE49-F238E27FC236}">
+                <a16:creationId xmlns:a16="http://schemas.microsoft.com/office/drawing/2014/main" id="{A5868323-FC84-A447-ACBE-5088B451A176}"/>
+              </a:ext>
+            </a:extLst>
+          </p:cNvPr>
+          <p:cNvSpPr/>
+          <p:nvPr/>
+        </p:nvSpPr>
+        <p:spPr>
+          <a:xfrm>
+            <a:off x="6019800" y="3528536"/>
+            <a:ext cx="5654040" cy="1477328"/>
+          </a:xfrm>
+          <a:prstGeom prst="rect">
+            <a:avLst/>
+          </a:prstGeom>
+        </p:spPr>
+        <p:txBody>
+          <a:bodyPr wrap="square">
+            <a:spAutoFit/>
+          </a:bodyPr>
+          <a:lstStyle/>
+          <a:p>
+            <a:r>
+              <a:rPr lang="en-ID" dirty="0">
+                <a:latin typeface="Arial" panose="020B0604020202020204" pitchFamily="34" charset="0"/>
+              </a:rPr>
+              <a:t>It can be seen that higher screenshot number contribute to higher user ratings.</a:t>
+            </a:r>
+            <a:br>
+              <a:rPr lang="en-ID" dirty="0"/>
+            </a:br>
+            <a:br>
+              <a:rPr lang="en-ID" dirty="0"/>
+            </a:br>
+            <a:r>
+              <a:rPr lang="en-ID" dirty="0">
+                <a:latin typeface="Arial" panose="020B0604020202020204" pitchFamily="34" charset="0"/>
+              </a:rPr>
+              <a:t>Keeping 4 screenshots will make the app to have higher ratings.</a:t>
+            </a:r>
+            <a:endParaRPr lang="en-US" dirty="0"/>
+          </a:p>
+        </p:txBody>
+      </p:sp>
+    </p:spTree>
+    <p:extLst>
+      <p:ext uri="{BB962C8B-B14F-4D97-AF65-F5344CB8AC3E}">
+        <p14:creationId xmlns:p14="http://schemas.microsoft.com/office/powerpoint/2010/main" val="1087861131"/>
+      </p:ext>
+    </p:extLst>
+  </p:cSld>
+  <p:clrMapOvr>
+    <a:masterClrMapping/>
+  </p:clrMapOvr>
+</p:sld>
+</file>
+
+<file path=ppt/slides/slide14.xml><?xml version="1.0" encoding="utf-8"?>
+<p:sld xmlns:a="http://schemas.openxmlformats.org/drawingml/2006/main" xmlns:r="http://schemas.openxmlformats.org/officeDocument/2006/relationships" xmlns:p="http://schemas.openxmlformats.org/presentationml/2006/main">
+  <p:cSld>
+    <p:spTree>
+      <p:nvGrpSpPr>
+        <p:cNvPr id="1" name=""/>
+        <p:cNvGrpSpPr/>
+        <p:nvPr/>
+      </p:nvGrpSpPr>
+      <p:grpSpPr>
+        <a:xfrm>
+          <a:off x="0" y="0"/>
+          <a:ext cx="0" cy="0"/>
+          <a:chOff x="0" y="0"/>
+          <a:chExt cx="0" cy="0"/>
+        </a:xfrm>
+      </p:grpSpPr>
+      <p:sp>
+        <p:nvSpPr>
+          <p:cNvPr id="2" name="Title 1">
+            <a:extLst>
+              <a:ext uri="{FF2B5EF4-FFF2-40B4-BE49-F238E27FC236}">
+                <a16:creationId xmlns:a16="http://schemas.microsoft.com/office/drawing/2014/main" id="{91ED4EBD-0859-6C4A-B7C5-55559EA41588}"/>
+              </a:ext>
+            </a:extLst>
+          </p:cNvPr>
+          <p:cNvSpPr>
+            <a:spLocks noGrp="1"/>
+          </p:cNvSpPr>
+          <p:nvPr>
+            <p:ph type="title"/>
+          </p:nvPr>
+        </p:nvSpPr>
+        <p:spPr/>
+        <p:txBody>
+          <a:bodyPr/>
+          <a:lstStyle/>
+          <a:p>
+            <a:r>
+              <a:rPr lang="en-US" dirty="0"/>
+              <a:t>languages</a:t>
+            </a:r>
+          </a:p>
+        </p:txBody>
+      </p:sp>
+      <p:pic>
+        <p:nvPicPr>
+          <p:cNvPr id="5" name="Picture 4">
+            <a:extLst>
+              <a:ext uri="{FF2B5EF4-FFF2-40B4-BE49-F238E27FC236}">
+                <a16:creationId xmlns:a16="http://schemas.microsoft.com/office/drawing/2014/main" id="{52313621-0B2D-F84F-AB72-C043E0873CED}"/>
+              </a:ext>
+            </a:extLst>
+          </p:cNvPr>
+          <p:cNvPicPr>
+            <a:picLocks noChangeAspect="1"/>
+          </p:cNvPicPr>
+          <p:nvPr/>
+        </p:nvPicPr>
+        <p:blipFill>
+          <a:blip r:embed="rId2"/>
+          <a:stretch>
+            <a:fillRect/>
+          </a:stretch>
+        </p:blipFill>
+        <p:spPr>
+          <a:xfrm>
+            <a:off x="633730" y="2620468"/>
+            <a:ext cx="5355590" cy="4061764"/>
+          </a:xfrm>
+          <a:prstGeom prst="rect">
+            <a:avLst/>
+          </a:prstGeom>
+        </p:spPr>
+      </p:pic>
+      <p:sp>
+        <p:nvSpPr>
+          <p:cNvPr id="6" name="Rectangle 5">
+            <a:extLst>
+              <a:ext uri="{FF2B5EF4-FFF2-40B4-BE49-F238E27FC236}">
+                <a16:creationId xmlns:a16="http://schemas.microsoft.com/office/drawing/2014/main" id="{E6980B81-F583-3043-9F91-74798DA46641}"/>
+              </a:ext>
+            </a:extLst>
+          </p:cNvPr>
+          <p:cNvSpPr/>
+          <p:nvPr/>
+        </p:nvSpPr>
+        <p:spPr>
+          <a:xfrm>
+            <a:off x="6522720" y="3208967"/>
+            <a:ext cx="5090160" cy="2585323"/>
+          </a:xfrm>
+          <a:prstGeom prst="rect">
+            <a:avLst/>
+          </a:prstGeom>
+        </p:spPr>
+        <p:txBody>
+          <a:bodyPr wrap="square">
+            <a:spAutoFit/>
+          </a:bodyPr>
+          <a:lstStyle/>
+          <a:p>
+            <a:r>
+              <a:rPr lang="en-ID" dirty="0">
+                <a:latin typeface="Arial" panose="020B0604020202020204" pitchFamily="34" charset="0"/>
+              </a:rPr>
+              <a:t>It can be seen that in general, higher number of supported languages contribute to higher user ratings.</a:t>
+            </a:r>
+            <a:br>
+              <a:rPr lang="en-ID" dirty="0"/>
+            </a:br>
+            <a:br>
+              <a:rPr lang="en-ID" dirty="0"/>
+            </a:br>
+            <a:r>
+              <a:rPr lang="en-ID" dirty="0">
+                <a:latin typeface="Arial" panose="020B0604020202020204" pitchFamily="34" charset="0"/>
+              </a:rPr>
+              <a:t>Best apps (5 rated apps) usually have around 4 to 5 languages.</a:t>
+            </a:r>
+            <a:br>
+              <a:rPr lang="en-ID" dirty="0"/>
+            </a:br>
+            <a:br>
+              <a:rPr lang="en-ID" dirty="0"/>
+            </a:br>
+            <a:r>
+              <a:rPr lang="en-ID" dirty="0">
+                <a:latin typeface="Arial" panose="020B0604020202020204" pitchFamily="34" charset="0"/>
+              </a:rPr>
+              <a:t>Apps with 6-7 languages are more likely to be a good app.</a:t>
+            </a:r>
+            <a:endParaRPr lang="en-US" dirty="0"/>
+          </a:p>
+        </p:txBody>
+      </p:sp>
+    </p:spTree>
+    <p:extLst>
+      <p:ext uri="{BB962C8B-B14F-4D97-AF65-F5344CB8AC3E}">
+        <p14:creationId xmlns:p14="http://schemas.microsoft.com/office/powerpoint/2010/main" val="1137889265"/>
+      </p:ext>
+    </p:extLst>
+  </p:cSld>
+  <p:clrMapOvr>
+    <a:masterClrMapping/>
+  </p:clrMapOvr>
+</p:sld>
+</file>
+
+<file path=ppt/slides/slide15.xml><?xml version="1.0" encoding="utf-8"?>
+<p:sld xmlns:a="http://schemas.openxmlformats.org/drawingml/2006/main" xmlns:r="http://schemas.openxmlformats.org/officeDocument/2006/relationships" xmlns:p="http://schemas.openxmlformats.org/presentationml/2006/main">
+  <p:cSld>
+    <p:spTree>
+      <p:nvGrpSpPr>
+        <p:cNvPr id="1" name=""/>
+        <p:cNvGrpSpPr/>
+        <p:nvPr/>
+      </p:nvGrpSpPr>
+      <p:grpSpPr>
+        <a:xfrm>
+          <a:off x="0" y="0"/>
+          <a:ext cx="0" cy="0"/>
+          <a:chOff x="0" y="0"/>
+          <a:chExt cx="0" cy="0"/>
+        </a:xfrm>
+      </p:grpSpPr>
+      <p:sp>
+        <p:nvSpPr>
+          <p:cNvPr id="2" name="Title 1">
+            <a:extLst>
+              <a:ext uri="{FF2B5EF4-FFF2-40B4-BE49-F238E27FC236}">
+                <a16:creationId xmlns:a16="http://schemas.microsoft.com/office/drawing/2014/main" id="{6FADDBA9-9904-0F4A-BBEE-787332DCB1D5}"/>
+              </a:ext>
+            </a:extLst>
+          </p:cNvPr>
+          <p:cNvSpPr>
+            <a:spLocks noGrp="1"/>
+          </p:cNvSpPr>
+          <p:nvPr>
+            <p:ph type="title"/>
+          </p:nvPr>
+        </p:nvSpPr>
+        <p:spPr/>
+        <p:txBody>
+          <a:bodyPr/>
+          <a:lstStyle/>
+          <a:p>
+            <a:r>
+              <a:rPr lang="en-US" dirty="0" err="1"/>
+              <a:t>vpp</a:t>
+            </a:r>
+            <a:endParaRPr lang="en-US" dirty="0"/>
+          </a:p>
+        </p:txBody>
+      </p:sp>
+      <p:pic>
+        <p:nvPicPr>
+          <p:cNvPr id="5" name="Picture 4">
+            <a:extLst>
+              <a:ext uri="{FF2B5EF4-FFF2-40B4-BE49-F238E27FC236}">
+                <a16:creationId xmlns:a16="http://schemas.microsoft.com/office/drawing/2014/main" id="{7B0D9978-D42A-C04D-89E9-8C808ABE3112}"/>
+              </a:ext>
+            </a:extLst>
+          </p:cNvPr>
+          <p:cNvPicPr>
+            <a:picLocks noChangeAspect="1"/>
+          </p:cNvPicPr>
+          <p:nvPr/>
+        </p:nvPicPr>
+        <p:blipFill>
+          <a:blip r:embed="rId2"/>
+          <a:stretch>
+            <a:fillRect/>
+          </a:stretch>
+        </p:blipFill>
+        <p:spPr>
+          <a:xfrm>
+            <a:off x="584200" y="2409706"/>
+            <a:ext cx="5042033" cy="3832352"/>
+          </a:xfrm>
+          <a:prstGeom prst="rect">
+            <a:avLst/>
+          </a:prstGeom>
+        </p:spPr>
+      </p:pic>
+      <p:sp>
+        <p:nvSpPr>
+          <p:cNvPr id="6" name="Rectangle 5">
+            <a:extLst>
+              <a:ext uri="{FF2B5EF4-FFF2-40B4-BE49-F238E27FC236}">
+                <a16:creationId xmlns:a16="http://schemas.microsoft.com/office/drawing/2014/main" id="{E6F6FD22-2E98-3944-A0EE-46007F8B2860}"/>
+              </a:ext>
+            </a:extLst>
+          </p:cNvPr>
+          <p:cNvSpPr/>
+          <p:nvPr/>
+        </p:nvSpPr>
+        <p:spPr>
+          <a:xfrm>
+            <a:off x="6400800" y="3679551"/>
+            <a:ext cx="5257800" cy="646331"/>
+          </a:xfrm>
+          <a:prstGeom prst="rect">
+            <a:avLst/>
+          </a:prstGeom>
+        </p:spPr>
+        <p:txBody>
+          <a:bodyPr wrap="square">
+            <a:spAutoFit/>
+          </a:bodyPr>
+          <a:lstStyle/>
+          <a:p>
+            <a:r>
+              <a:rPr lang="en-ID" dirty="0">
+                <a:latin typeface="Arial" panose="020B0604020202020204" pitchFamily="34" charset="0"/>
+              </a:rPr>
+              <a:t>Apps with </a:t>
+            </a:r>
+            <a:r>
+              <a:rPr lang="en-ID" dirty="0" err="1">
+                <a:latin typeface="Arial" panose="020B0604020202020204" pitchFamily="34" charset="0"/>
+              </a:rPr>
+              <a:t>Vpp</a:t>
+            </a:r>
+            <a:r>
+              <a:rPr lang="en-ID" dirty="0">
+                <a:latin typeface="Arial" panose="020B0604020202020204" pitchFamily="34" charset="0"/>
+              </a:rPr>
+              <a:t> have higher user rating on average.</a:t>
+            </a:r>
+            <a:endParaRPr lang="en-US" dirty="0"/>
+          </a:p>
+        </p:txBody>
+      </p:sp>
+    </p:spTree>
+    <p:extLst>
+      <p:ext uri="{BB962C8B-B14F-4D97-AF65-F5344CB8AC3E}">
+        <p14:creationId xmlns:p14="http://schemas.microsoft.com/office/powerpoint/2010/main" val="2515296929"/>
+      </p:ext>
+    </p:extLst>
+  </p:cSld>
+  <p:clrMapOvr>
+    <a:masterClrMapping/>
+  </p:clrMapOvr>
+</p:sld>
+</file>
+
+<file path=ppt/slides/slide16.xml><?xml version="1.0" encoding="utf-8"?>
+<p:sld xmlns:a="http://schemas.openxmlformats.org/drawingml/2006/main" xmlns:r="http://schemas.openxmlformats.org/officeDocument/2006/relationships" xmlns:p="http://schemas.openxmlformats.org/presentationml/2006/main">
+  <p:cSld>
+    <p:spTree>
+      <p:nvGrpSpPr>
+        <p:cNvPr id="1" name=""/>
+        <p:cNvGrpSpPr/>
+        <p:nvPr/>
+      </p:nvGrpSpPr>
+      <p:grpSpPr>
+        <a:xfrm>
+          <a:off x="0" y="0"/>
+          <a:ext cx="0" cy="0"/>
+          <a:chOff x="0" y="0"/>
+          <a:chExt cx="0" cy="0"/>
+        </a:xfrm>
+      </p:grpSpPr>
+      <p:sp>
+        <p:nvSpPr>
+          <p:cNvPr id="2" name="Title 1">
+            <a:extLst>
+              <a:ext uri="{FF2B5EF4-FFF2-40B4-BE49-F238E27FC236}">
+                <a16:creationId xmlns:a16="http://schemas.microsoft.com/office/drawing/2014/main" id="{1FC8E57F-8E33-2843-9ABE-192E72352F6A}"/>
+              </a:ext>
+            </a:extLst>
+          </p:cNvPr>
+          <p:cNvSpPr>
+            <a:spLocks noGrp="1"/>
+          </p:cNvSpPr>
+          <p:nvPr>
+            <p:ph type="title"/>
+          </p:nvPr>
+        </p:nvSpPr>
+        <p:spPr/>
+        <p:txBody>
+          <a:bodyPr/>
+          <a:lstStyle/>
+          <a:p>
+            <a:r>
+              <a:rPr lang="en-US" dirty="0"/>
+              <a:t>advice</a:t>
+            </a:r>
+          </a:p>
+        </p:txBody>
+      </p:sp>
+      <p:sp>
+        <p:nvSpPr>
+          <p:cNvPr id="3" name="Content Placeholder 2">
+            <a:extLst>
+              <a:ext uri="{FF2B5EF4-FFF2-40B4-BE49-F238E27FC236}">
+                <a16:creationId xmlns:a16="http://schemas.microsoft.com/office/drawing/2014/main" id="{FA5B76D5-2DD2-D843-977F-4CDBE57C908A}"/>
+              </a:ext>
+            </a:extLst>
+          </p:cNvPr>
+          <p:cNvSpPr>
+            <a:spLocks noGrp="1"/>
+          </p:cNvSpPr>
+          <p:nvPr>
+            <p:ph idx="1"/>
+          </p:nvPr>
+        </p:nvSpPr>
+        <p:spPr/>
+        <p:txBody>
+          <a:bodyPr>
+            <a:normAutofit fontScale="92500" lnSpcReduction="20000"/>
+          </a:bodyPr>
+          <a:lstStyle/>
+          <a:p>
+            <a:pPr marL="342900" indent="-342900">
+              <a:buFont typeface="+mj-lt"/>
+              <a:buAutoNum type="arabicPeriod"/>
+            </a:pPr>
+            <a:r>
+              <a:rPr lang="en-ID" dirty="0"/>
+              <a:t>Companies should keep free apps less than 175 MB and paid apps less than 300 MB.</a:t>
+            </a:r>
+          </a:p>
+          <a:p>
+            <a:pPr marL="342900" indent="-342900">
+              <a:buFont typeface="+mj-lt"/>
+              <a:buAutoNum type="arabicPeriod"/>
+            </a:pPr>
+            <a:r>
+              <a:rPr lang="en-ID" dirty="0"/>
+              <a:t>Companies can avoid creating 17+ content to avoid lower ratings.</a:t>
+            </a:r>
+          </a:p>
+          <a:p>
+            <a:pPr marL="342900" indent="-342900">
+              <a:buFont typeface="+mj-lt"/>
+              <a:buAutoNum type="arabicPeriod"/>
+            </a:pPr>
+            <a:r>
+              <a:rPr lang="en-ID" dirty="0"/>
+              <a:t>In general, paid apps always has better rating than free app.</a:t>
+            </a:r>
+          </a:p>
+          <a:p>
+            <a:pPr marL="342900" indent="-342900">
+              <a:buFont typeface="+mj-lt"/>
+              <a:buAutoNum type="arabicPeriod"/>
+            </a:pPr>
+            <a:r>
+              <a:rPr lang="en-ID" dirty="0"/>
+              <a:t>Higher price usually contribute to higher user ratings, however, when price is too high, user ratings can be low.</a:t>
+            </a:r>
+          </a:p>
+          <a:p>
+            <a:pPr marL="342900" indent="-342900">
+              <a:buFont typeface="+mj-lt"/>
+              <a:buAutoNum type="arabicPeriod"/>
+            </a:pPr>
+            <a:r>
+              <a:rPr lang="en-ID" dirty="0"/>
+              <a:t>Have at least 37 number of supported devices.</a:t>
+            </a:r>
+          </a:p>
+          <a:p>
+            <a:pPr marL="342900" indent="-342900">
+              <a:buFont typeface="+mj-lt"/>
+              <a:buAutoNum type="arabicPeriod"/>
+            </a:pPr>
+            <a:r>
+              <a:rPr lang="en-ID" dirty="0"/>
+              <a:t>Have at least 4 screenshots of your app to be displayed.</a:t>
+            </a:r>
+          </a:p>
+          <a:p>
+            <a:pPr marL="342900" indent="-342900">
+              <a:buFont typeface="+mj-lt"/>
+              <a:buAutoNum type="arabicPeriod"/>
+            </a:pPr>
+            <a:r>
+              <a:rPr lang="en-ID" dirty="0"/>
+              <a:t>Support at least 4-5 languages.</a:t>
+            </a:r>
+          </a:p>
+          <a:p>
+            <a:pPr marL="342900" indent="-342900">
+              <a:buFont typeface="+mj-lt"/>
+              <a:buAutoNum type="arabicPeriod"/>
+            </a:pPr>
+            <a:r>
+              <a:rPr lang="en-ID" dirty="0"/>
+              <a:t>Having </a:t>
+            </a:r>
+            <a:r>
+              <a:rPr lang="en-ID" dirty="0" err="1"/>
+              <a:t>Vpp</a:t>
+            </a:r>
+            <a:r>
+              <a:rPr lang="en-ID" dirty="0"/>
+              <a:t> license is a good deal.</a:t>
+            </a:r>
+          </a:p>
+        </p:txBody>
+      </p:sp>
+    </p:spTree>
+    <p:extLst>
+      <p:ext uri="{BB962C8B-B14F-4D97-AF65-F5344CB8AC3E}">
+        <p14:creationId xmlns:p14="http://schemas.microsoft.com/office/powerpoint/2010/main" val="4269104750"/>
+      </p:ext>
+    </p:extLst>
+  </p:cSld>
+  <p:clrMapOvr>
+    <a:masterClrMapping/>
+  </p:clrMapOvr>
+</p:sld>
+</file>
+
+<file path=ppt/slides/slide17.xml><?xml version="1.0" encoding="utf-8"?>
+<p:sld xmlns:a="http://schemas.openxmlformats.org/drawingml/2006/main" xmlns:r="http://schemas.openxmlformats.org/officeDocument/2006/relationships" xmlns:p="http://schemas.openxmlformats.org/presentationml/2006/main">
+  <p:cSld>
+    <p:spTree>
+      <p:nvGrpSpPr>
+        <p:cNvPr id="1" name=""/>
+        <p:cNvGrpSpPr/>
+        <p:nvPr/>
+      </p:nvGrpSpPr>
+      <p:grpSpPr>
+        <a:xfrm>
+          <a:off x="0" y="0"/>
+          <a:ext cx="0" cy="0"/>
+          <a:chOff x="0" y="0"/>
+          <a:chExt cx="0" cy="0"/>
+        </a:xfrm>
+      </p:grpSpPr>
+      <p:sp>
+        <p:nvSpPr>
+          <p:cNvPr id="2" name="Title 1">
+            <a:extLst>
+              <a:ext uri="{FF2B5EF4-FFF2-40B4-BE49-F238E27FC236}">
+                <a16:creationId xmlns:a16="http://schemas.microsoft.com/office/drawing/2014/main" id="{54078450-07B6-564F-923A-0EBE9479A3C1}"/>
+              </a:ext>
+            </a:extLst>
+          </p:cNvPr>
+          <p:cNvSpPr>
+            <a:spLocks noGrp="1"/>
+          </p:cNvSpPr>
+          <p:nvPr>
+            <p:ph type="title"/>
+          </p:nvPr>
+        </p:nvSpPr>
+        <p:spPr/>
+        <p:txBody>
+          <a:bodyPr/>
+          <a:lstStyle/>
+          <a:p>
+            <a:r>
+              <a:rPr lang="en-US" dirty="0"/>
+              <a:t>Metric evaluation</a:t>
+            </a:r>
+          </a:p>
+        </p:txBody>
+      </p:sp>
+      <p:sp>
+        <p:nvSpPr>
+          <p:cNvPr id="3" name="Content Placeholder 2">
+            <a:extLst>
+              <a:ext uri="{FF2B5EF4-FFF2-40B4-BE49-F238E27FC236}">
+                <a16:creationId xmlns:a16="http://schemas.microsoft.com/office/drawing/2014/main" id="{CFB30CF8-DE06-FA4A-8A1F-FCBFBB27CFE4}"/>
+              </a:ext>
+            </a:extLst>
+          </p:cNvPr>
+          <p:cNvSpPr>
+            <a:spLocks noGrp="1"/>
+          </p:cNvSpPr>
+          <p:nvPr>
+            <p:ph idx="1"/>
+          </p:nvPr>
+        </p:nvSpPr>
+        <p:spPr/>
+        <p:txBody>
+          <a:bodyPr>
+            <a:normAutofit fontScale="92500" lnSpcReduction="10000"/>
+          </a:bodyPr>
+          <a:lstStyle/>
+          <a:p>
+            <a:r>
+              <a:rPr lang="en-US" dirty="0"/>
+              <a:t>Precision</a:t>
+            </a:r>
+          </a:p>
+          <a:p>
+            <a:pPr lvl="1"/>
+            <a:r>
+              <a:rPr lang="en-US" dirty="0"/>
+              <a:t>1: Good app (User rating &gt;= 4)</a:t>
+            </a:r>
+          </a:p>
+          <a:p>
+            <a:pPr lvl="1"/>
+            <a:r>
+              <a:rPr lang="en-US" dirty="0"/>
+              <a:t>0: Bad app</a:t>
+            </a:r>
+          </a:p>
+          <a:p>
+            <a:r>
+              <a:rPr lang="en-US" dirty="0"/>
+              <a:t>Metric evaluation used:</a:t>
+            </a:r>
+          </a:p>
+          <a:p>
+            <a:pPr lvl="1"/>
+            <a:r>
+              <a:rPr lang="en-US" dirty="0"/>
+              <a:t>FP: Predict it is a going to be a good app but it turns out to be a bad app</a:t>
+            </a:r>
+          </a:p>
+          <a:p>
+            <a:pPr lvl="1"/>
+            <a:r>
+              <a:rPr lang="en-US" dirty="0"/>
+              <a:t>FN: Predict it is going to be a bad app but it turns out to be a good app</a:t>
+            </a:r>
+          </a:p>
+          <a:p>
+            <a:pPr lvl="1"/>
+            <a:r>
+              <a:rPr lang="en-US" dirty="0"/>
+              <a:t>Precision:</a:t>
+            </a:r>
+          </a:p>
+          <a:p>
+            <a:pPr lvl="2"/>
+            <a:r>
+              <a:rPr lang="en-US" dirty="0"/>
+              <a:t>We want to minimize FP</a:t>
+            </a:r>
+          </a:p>
+          <a:p>
+            <a:pPr lvl="2"/>
+            <a:r>
+              <a:rPr lang="en-US" dirty="0"/>
+              <a:t>Minimize to predict it is a good app but it turns out to be a bad app</a:t>
+            </a:r>
+          </a:p>
+          <a:p>
+            <a:pPr lvl="2"/>
+            <a:endParaRPr lang="en-US" dirty="0"/>
+          </a:p>
+        </p:txBody>
+      </p:sp>
+    </p:spTree>
+    <p:extLst>
+      <p:ext uri="{BB962C8B-B14F-4D97-AF65-F5344CB8AC3E}">
+        <p14:creationId xmlns:p14="http://schemas.microsoft.com/office/powerpoint/2010/main" val="3718448067"/>
+      </p:ext>
+    </p:extLst>
+  </p:cSld>
+  <p:clrMapOvr>
+    <a:masterClrMapping/>
+  </p:clrMapOvr>
+</p:sld>
+</file>
+
+<file path=ppt/slides/slide18.xml><?xml version="1.0" encoding="utf-8"?>
+<p:sld xmlns:a="http://schemas.openxmlformats.org/drawingml/2006/main" xmlns:r="http://schemas.openxmlformats.org/officeDocument/2006/relationships" xmlns:p="http://schemas.openxmlformats.org/presentationml/2006/main">
+  <p:cSld>
+    <p:spTree>
+      <p:nvGrpSpPr>
+        <p:cNvPr id="1" name=""/>
+        <p:cNvGrpSpPr/>
+        <p:nvPr/>
+      </p:nvGrpSpPr>
+      <p:grpSpPr>
+        <a:xfrm>
+          <a:off x="0" y="0"/>
+          <a:ext cx="0" cy="0"/>
+          <a:chOff x="0" y="0"/>
+          <a:chExt cx="0" cy="0"/>
+        </a:xfrm>
+      </p:grpSpPr>
+      <p:sp>
+        <p:nvSpPr>
+          <p:cNvPr id="2" name="Title 1">
+            <a:extLst>
+              <a:ext uri="{FF2B5EF4-FFF2-40B4-BE49-F238E27FC236}">
+                <a16:creationId xmlns:a16="http://schemas.microsoft.com/office/drawing/2014/main" id="{6CA7DF18-1185-9C4C-A03E-1D8C19E19D7B}"/>
+              </a:ext>
+            </a:extLst>
+          </p:cNvPr>
+          <p:cNvSpPr>
+            <a:spLocks noGrp="1"/>
+          </p:cNvSpPr>
+          <p:nvPr>
+            <p:ph type="title"/>
+          </p:nvPr>
+        </p:nvSpPr>
+        <p:spPr/>
+        <p:txBody>
+          <a:bodyPr/>
+          <a:lstStyle/>
+          <a:p>
+            <a:r>
+              <a:rPr lang="en-US" dirty="0"/>
+              <a:t>preprocessing</a:t>
+            </a:r>
+          </a:p>
+        </p:txBody>
+      </p:sp>
+      <p:sp>
+        <p:nvSpPr>
+          <p:cNvPr id="3" name="Content Placeholder 2">
+            <a:extLst>
+              <a:ext uri="{FF2B5EF4-FFF2-40B4-BE49-F238E27FC236}">
+                <a16:creationId xmlns:a16="http://schemas.microsoft.com/office/drawing/2014/main" id="{6DBA4366-27D3-9B42-9B90-7728227C24B8}"/>
+              </a:ext>
+            </a:extLst>
+          </p:cNvPr>
+          <p:cNvSpPr>
+            <a:spLocks noGrp="1"/>
+          </p:cNvSpPr>
+          <p:nvPr>
+            <p:ph idx="1"/>
+          </p:nvPr>
+        </p:nvSpPr>
+        <p:spPr>
+          <a:xfrm>
+            <a:off x="2231136" y="2638044"/>
+            <a:ext cx="8147304" cy="3671316"/>
+          </a:xfrm>
+        </p:spPr>
+        <p:txBody>
+          <a:bodyPr>
+            <a:normAutofit/>
+          </a:bodyPr>
+          <a:lstStyle/>
+          <a:p>
+            <a:r>
+              <a:rPr lang="en-US" dirty="0" err="1"/>
+              <a:t>MinMaxScaler</a:t>
+            </a:r>
+            <a:r>
+              <a:rPr lang="en-US" dirty="0"/>
+              <a:t>() is used because only a maximum of 11% of the data are outliers, other scaler does not impact higher cross validation score as well</a:t>
+            </a:r>
+          </a:p>
+          <a:p>
+            <a:r>
+              <a:rPr lang="en-US" dirty="0"/>
+              <a:t>Features used</a:t>
+            </a:r>
+          </a:p>
+          <a:p>
+            <a:pPr lvl="1"/>
+            <a:r>
+              <a:rPr lang="en-US" dirty="0"/>
+              <a:t>Numeric</a:t>
+            </a:r>
+          </a:p>
+          <a:p>
+            <a:pPr lvl="2"/>
+            <a:r>
+              <a:rPr lang="en-US" dirty="0"/>
+              <a:t>Size in bytes, price, supported device number,  screenshots number,  language number</a:t>
+            </a:r>
+          </a:p>
+          <a:p>
+            <a:pPr lvl="1"/>
+            <a:r>
+              <a:rPr lang="en-US" dirty="0"/>
+              <a:t>Categorical</a:t>
+            </a:r>
+          </a:p>
+          <a:p>
+            <a:pPr lvl="2"/>
+            <a:r>
+              <a:rPr lang="en-US" dirty="0" err="1"/>
+              <a:t>isNotFree</a:t>
+            </a:r>
+            <a:r>
+              <a:rPr lang="en-US" dirty="0"/>
+              <a:t>, </a:t>
+            </a:r>
+            <a:r>
+              <a:rPr lang="en-US" dirty="0" err="1"/>
+              <a:t>Vpp</a:t>
+            </a:r>
+            <a:r>
+              <a:rPr lang="en-US" dirty="0"/>
+              <a:t> License, Prime genre, Content rating</a:t>
+            </a:r>
+          </a:p>
+          <a:p>
+            <a:r>
+              <a:rPr lang="en-US" dirty="0"/>
+              <a:t>Features not used</a:t>
+            </a:r>
+          </a:p>
+          <a:p>
+            <a:pPr lvl="1"/>
+            <a:r>
+              <a:rPr lang="en-US" dirty="0"/>
+              <a:t>App id,  app name, currency type (USD), rating count total (for all version), rating count version (for current version), user rating </a:t>
+            </a:r>
+            <a:r>
+              <a:rPr lang="en-US" dirty="0" err="1"/>
+              <a:t>ver</a:t>
+            </a:r>
+            <a:r>
+              <a:rPr lang="en-US" dirty="0"/>
+              <a:t> (for current version),  app description</a:t>
+            </a:r>
+          </a:p>
+          <a:p>
+            <a:endParaRPr lang="en-US" dirty="0"/>
+          </a:p>
+        </p:txBody>
+      </p:sp>
+    </p:spTree>
+    <p:extLst>
+      <p:ext uri="{BB962C8B-B14F-4D97-AF65-F5344CB8AC3E}">
+        <p14:creationId xmlns:p14="http://schemas.microsoft.com/office/powerpoint/2010/main" val="1095409972"/>
+      </p:ext>
+    </p:extLst>
+  </p:cSld>
+  <p:clrMapOvr>
+    <a:masterClrMapping/>
+  </p:clrMapOvr>
+</p:sld>
+</file>
+
+<file path=ppt/slides/slide19.xml><?xml version="1.0" encoding="utf-8"?>
+<p:sld xmlns:a="http://schemas.openxmlformats.org/drawingml/2006/main" xmlns:r="http://schemas.openxmlformats.org/officeDocument/2006/relationships" xmlns:p="http://schemas.openxmlformats.org/presentationml/2006/main">
+  <p:cSld>
+    <p:spTree>
+      <p:nvGrpSpPr>
+        <p:cNvPr id="1" name=""/>
+        <p:cNvGrpSpPr/>
+        <p:nvPr/>
+      </p:nvGrpSpPr>
+      <p:grpSpPr>
+        <a:xfrm>
+          <a:off x="0" y="0"/>
+          <a:ext cx="0" cy="0"/>
+          <a:chOff x="0" y="0"/>
+          <a:chExt cx="0" cy="0"/>
+        </a:xfrm>
+      </p:grpSpPr>
+      <p:sp>
+        <p:nvSpPr>
+          <p:cNvPr id="2" name="Title 1">
+            <a:extLst>
+              <a:ext uri="{FF2B5EF4-FFF2-40B4-BE49-F238E27FC236}">
+                <a16:creationId xmlns:a16="http://schemas.microsoft.com/office/drawing/2014/main" id="{0D94A717-09AB-EB42-A1B0-95653CB6683C}"/>
+              </a:ext>
+            </a:extLst>
+          </p:cNvPr>
+          <p:cNvSpPr>
+            <a:spLocks noGrp="1"/>
+          </p:cNvSpPr>
+          <p:nvPr>
+            <p:ph type="title"/>
+          </p:nvPr>
+        </p:nvSpPr>
+        <p:spPr/>
+        <p:txBody>
+          <a:bodyPr/>
+          <a:lstStyle/>
+          <a:p>
+            <a:r>
+              <a:rPr lang="en-US" dirty="0"/>
+              <a:t>Model selection</a:t>
+            </a:r>
+          </a:p>
+        </p:txBody>
+      </p:sp>
+      <p:sp>
+        <p:nvSpPr>
+          <p:cNvPr id="3" name="Content Placeholder 2">
+            <a:extLst>
+              <a:ext uri="{FF2B5EF4-FFF2-40B4-BE49-F238E27FC236}">
+                <a16:creationId xmlns:a16="http://schemas.microsoft.com/office/drawing/2014/main" id="{F58F3A58-3CB1-6E4B-AC1E-108E9EE83C21}"/>
+              </a:ext>
+            </a:extLst>
+          </p:cNvPr>
+          <p:cNvSpPr>
+            <a:spLocks noGrp="1"/>
+          </p:cNvSpPr>
+          <p:nvPr>
+            <p:ph idx="1"/>
+          </p:nvPr>
+        </p:nvSpPr>
+        <p:spPr/>
+        <p:txBody>
+          <a:bodyPr/>
+          <a:lstStyle/>
+          <a:p>
+            <a:r>
+              <a:rPr lang="en-US" dirty="0"/>
+              <a:t>4 models are used, Logistic Regression, Decision Tree, </a:t>
+            </a:r>
+            <a:r>
+              <a:rPr lang="en-US" dirty="0" err="1"/>
+              <a:t>Knn</a:t>
+            </a:r>
+            <a:r>
+              <a:rPr lang="en-US" dirty="0"/>
+              <a:t> Classifier, and Random Forest</a:t>
+            </a:r>
+          </a:p>
+          <a:p>
+            <a:r>
+              <a:rPr lang="en-US" dirty="0"/>
+              <a:t>78% cross </a:t>
+            </a:r>
+            <a:r>
+              <a:rPr lang="en-US" dirty="0" err="1"/>
+              <a:t>val</a:t>
+            </a:r>
+            <a:r>
+              <a:rPr lang="en-US" dirty="0"/>
+              <a:t> score is achieved with </a:t>
+            </a:r>
+            <a:r>
+              <a:rPr lang="en-US" dirty="0" err="1"/>
+              <a:t>Knn</a:t>
+            </a:r>
+            <a:r>
+              <a:rPr lang="en-US" dirty="0"/>
+              <a:t> Classifier and </a:t>
+            </a:r>
+            <a:r>
+              <a:rPr lang="en-US" dirty="0" err="1"/>
+              <a:t>MinMaxScaler</a:t>
+            </a:r>
+            <a:r>
+              <a:rPr lang="en-US" dirty="0"/>
+              <a:t>() with </a:t>
+            </a:r>
+            <a:r>
+              <a:rPr lang="en-US" dirty="0" err="1"/>
+              <a:t>nearmiss</a:t>
+            </a:r>
+            <a:r>
+              <a:rPr lang="en-US" dirty="0"/>
+              <a:t> and smote sampler</a:t>
+            </a:r>
+          </a:p>
+          <a:p>
+            <a:r>
+              <a:rPr lang="en-US" dirty="0"/>
+              <a:t>However with balancing, the model will become bias</a:t>
+            </a:r>
+          </a:p>
+          <a:p>
+            <a:r>
+              <a:rPr lang="en-US" dirty="0"/>
+              <a:t>77% cross </a:t>
+            </a:r>
+            <a:r>
+              <a:rPr lang="en-US" dirty="0" err="1"/>
+              <a:t>val</a:t>
+            </a:r>
+            <a:r>
+              <a:rPr lang="en-US" dirty="0"/>
+              <a:t> score is achieved with </a:t>
+            </a:r>
+            <a:r>
+              <a:rPr lang="en-US" dirty="0" err="1"/>
+              <a:t>Knn</a:t>
+            </a:r>
+            <a:r>
+              <a:rPr lang="en-US" dirty="0"/>
+              <a:t> Classifier and </a:t>
+            </a:r>
+            <a:r>
+              <a:rPr lang="en-US" dirty="0" err="1"/>
+              <a:t>MinMaxScaler</a:t>
+            </a:r>
+            <a:r>
+              <a:rPr lang="en-US" dirty="0"/>
+              <a:t>() without sampler so our model will become lighter</a:t>
+            </a:r>
+          </a:p>
+          <a:p>
+            <a:endParaRPr lang="en-US" dirty="0"/>
+          </a:p>
+        </p:txBody>
+      </p:sp>
+    </p:spTree>
+    <p:extLst>
+      <p:ext uri="{BB962C8B-B14F-4D97-AF65-F5344CB8AC3E}">
+        <p14:creationId xmlns:p14="http://schemas.microsoft.com/office/powerpoint/2010/main" val="3402619540"/>
+      </p:ext>
+    </p:extLst>
+  </p:cSld>
+  <p:clrMapOvr>
+    <a:masterClrMapping/>
+  </p:clrMapOvr>
+</p:sld>
+</file>
+
 <file path=ppt/slides/slide2.xml><?xml version="1.0" encoding="utf-8"?>
 <p:sld xmlns:a="http://schemas.openxmlformats.org/drawingml/2006/main" xmlns:r="http://schemas.openxmlformats.org/officeDocument/2006/relationships" xmlns:p="http://schemas.openxmlformats.org/presentationml/2006/main">
   <p:cSld>
@@ -3845,7 +5324,7 @@
           <p:cNvPr id="2" name="Title 1">
             <a:extLst>
               <a:ext uri="{FF2B5EF4-FFF2-40B4-BE49-F238E27FC236}">
-                <a16:creationId xmlns:a16="http://schemas.microsoft.com/office/drawing/2014/main" id="{FD9FE5F1-9E8F-9943-A340-3038AE618D22}"/>
+                <a16:creationId xmlns:a16="http://schemas.microsoft.com/office/drawing/2014/main" id="{ACB545FF-3A4E-B844-9E08-907ABC153E04}"/>
               </a:ext>
             </a:extLst>
           </p:cNvPr>
@@ -3863,7 +5342,7 @@
           <a:p>
             <a:r>
               <a:rPr lang="en-US" dirty="0"/>
-              <a:t>Problem</a:t>
+              <a:t>About me</a:t>
             </a:r>
           </a:p>
         </p:txBody>
@@ -3873,7 +5352,7 @@
           <p:cNvPr id="3" name="Content Placeholder 2">
             <a:extLst>
               <a:ext uri="{FF2B5EF4-FFF2-40B4-BE49-F238E27FC236}">
-                <a16:creationId xmlns:a16="http://schemas.microsoft.com/office/drawing/2014/main" id="{55879EEC-5DB7-6B4B-A1EF-7F8D347D1C5A}"/>
+                <a16:creationId xmlns:a16="http://schemas.microsoft.com/office/drawing/2014/main" id="{A84CCDE2-BCC1-5840-BD55-7C1ECC72DC21}"/>
               </a:ext>
             </a:extLst>
           </p:cNvPr>
@@ -3884,53 +5363,524 @@
             <p:ph idx="1"/>
           </p:nvPr>
         </p:nvSpPr>
-        <p:spPr/>
-        <p:txBody>
-          <a:bodyPr/>
-          <a:lstStyle/>
-          <a:p>
-            <a:r>
-              <a:rPr lang="en-US" dirty="0"/>
-              <a:t>Companies create bad apps (Rated below 4)</a:t>
-            </a:r>
-          </a:p>
-          <a:p>
-            <a:r>
-              <a:rPr lang="en-US" dirty="0"/>
-              <a:t>Companies cannot predict it’s going to be a bad app or a good app before they launch it to the market</a:t>
-            </a:r>
-          </a:p>
-          <a:p>
-            <a:r>
-              <a:rPr lang="en-US" dirty="0"/>
-              <a:t>Highly rated apps usually comes from non quantitative measures</a:t>
+        <p:spPr>
+          <a:xfrm>
+            <a:off x="2231136" y="2638044"/>
+            <a:ext cx="5023104" cy="3640836"/>
+          </a:xfrm>
+        </p:spPr>
+        <p:txBody>
+          <a:bodyPr>
+            <a:normAutofit/>
+          </a:bodyPr>
+          <a:lstStyle/>
+          <a:p>
+            <a:r>
+              <a:rPr lang="en-US" dirty="0"/>
+              <a:t>Name: Farros Mufid</a:t>
+            </a:r>
+          </a:p>
+          <a:p>
+            <a:r>
+              <a:rPr lang="en-US" dirty="0"/>
+              <a:t>Major</a:t>
             </a:r>
           </a:p>
           <a:p>
             <a:pPr lvl="1"/>
             <a:r>
               <a:rPr lang="en-US" dirty="0"/>
-              <a:t>How it does one thing, innovation (disruptive or sustainable),  how well it knows the audience, etc.</a:t>
-            </a:r>
-          </a:p>
-          <a:p>
-            <a:endParaRPr lang="en-US" dirty="0"/>
-          </a:p>
-          <a:p>
-            <a:endParaRPr lang="en-US" dirty="0"/>
-          </a:p>
-          <a:p>
-            <a:endParaRPr lang="en-US" dirty="0"/>
-          </a:p>
-          <a:p>
-            <a:endParaRPr lang="en-US" dirty="0"/>
-          </a:p>
-        </p:txBody>
-      </p:sp>
+              <a:t>Bachelor of Electrical Engineering (</a:t>
+            </a:r>
+            <a:r>
+              <a:rPr lang="en-US" dirty="0" err="1"/>
+              <a:t>Universitas</a:t>
+            </a:r>
+            <a:r>
+              <a:rPr lang="en-US" dirty="0"/>
+              <a:t> Indonesia)</a:t>
+            </a:r>
+          </a:p>
+          <a:p>
+            <a:pPr lvl="1"/>
+            <a:r>
+              <a:rPr lang="en-US" dirty="0"/>
+              <a:t>Bachelor of Engineering </a:t>
+            </a:r>
+            <a:r>
+              <a:rPr lang="en-US" dirty="0" err="1"/>
+              <a:t>Honours</a:t>
+            </a:r>
+            <a:r>
+              <a:rPr lang="en-US" dirty="0"/>
+              <a:t> Electrical (University of Sydney) (double degree)</a:t>
+            </a:r>
+          </a:p>
+          <a:p>
+            <a:r>
+              <a:rPr lang="en-US" dirty="0"/>
+              <a:t>Interest:</a:t>
+            </a:r>
+          </a:p>
+          <a:p>
+            <a:pPr lvl="1"/>
+            <a:r>
+              <a:rPr lang="en-US" dirty="0"/>
+              <a:t>Tech </a:t>
+            </a:r>
+          </a:p>
+          <a:p>
+            <a:r>
+              <a:rPr lang="en-US" dirty="0"/>
+              <a:t>Hobby:</a:t>
+            </a:r>
+          </a:p>
+          <a:p>
+            <a:pPr lvl="1"/>
+            <a:r>
+              <a:rPr lang="en-US" dirty="0"/>
+              <a:t>Music</a:t>
+            </a:r>
+          </a:p>
+        </p:txBody>
+      </p:sp>
+      <p:pic>
+        <p:nvPicPr>
+          <p:cNvPr id="5" name="Picture 4">
+            <a:extLst>
+              <a:ext uri="{FF2B5EF4-FFF2-40B4-BE49-F238E27FC236}">
+                <a16:creationId xmlns:a16="http://schemas.microsoft.com/office/drawing/2014/main" id="{727B58F7-A38E-5144-94F3-F5B9FB8BD9FE}"/>
+              </a:ext>
+            </a:extLst>
+          </p:cNvPr>
+          <p:cNvPicPr>
+            <a:picLocks noChangeAspect="1"/>
+          </p:cNvPicPr>
+          <p:nvPr/>
+        </p:nvPicPr>
+        <p:blipFill>
+          <a:blip r:embed="rId2"/>
+          <a:stretch>
+            <a:fillRect/>
+          </a:stretch>
+        </p:blipFill>
+        <p:spPr>
+          <a:xfrm>
+            <a:off x="7339584" y="2638044"/>
+            <a:ext cx="2621280" cy="2621280"/>
+          </a:xfrm>
+          <a:prstGeom prst="rect">
+            <a:avLst/>
+          </a:prstGeom>
+        </p:spPr>
+      </p:pic>
     </p:spTree>
     <p:extLst>
       <p:ext uri="{BB962C8B-B14F-4D97-AF65-F5344CB8AC3E}">
-        <p14:creationId xmlns:p14="http://schemas.microsoft.com/office/powerpoint/2010/main" val="2567967250"/>
+        <p14:creationId xmlns:p14="http://schemas.microsoft.com/office/powerpoint/2010/main" val="3190161433"/>
+      </p:ext>
+    </p:extLst>
+  </p:cSld>
+  <p:clrMapOvr>
+    <a:masterClrMapping/>
+  </p:clrMapOvr>
+</p:sld>
+</file>
+
+<file path=ppt/slides/slide20.xml><?xml version="1.0" encoding="utf-8"?>
+<p:sld xmlns:a="http://schemas.openxmlformats.org/drawingml/2006/main" xmlns:r="http://schemas.openxmlformats.org/officeDocument/2006/relationships" xmlns:p="http://schemas.openxmlformats.org/presentationml/2006/main">
+  <p:cSld>
+    <p:spTree>
+      <p:nvGrpSpPr>
+        <p:cNvPr id="1" name=""/>
+        <p:cNvGrpSpPr/>
+        <p:nvPr/>
+      </p:nvGrpSpPr>
+      <p:grpSpPr>
+        <a:xfrm>
+          <a:off x="0" y="0"/>
+          <a:ext cx="0" cy="0"/>
+          <a:chOff x="0" y="0"/>
+          <a:chExt cx="0" cy="0"/>
+        </a:xfrm>
+      </p:grpSpPr>
+      <p:sp>
+        <p:nvSpPr>
+          <p:cNvPr id="2" name="Title 1">
+            <a:extLst>
+              <a:ext uri="{FF2B5EF4-FFF2-40B4-BE49-F238E27FC236}">
+                <a16:creationId xmlns:a16="http://schemas.microsoft.com/office/drawing/2014/main" id="{A61D789F-C630-0A42-BA80-69A2F53EEC73}"/>
+              </a:ext>
+            </a:extLst>
+          </p:cNvPr>
+          <p:cNvSpPr>
+            <a:spLocks noGrp="1"/>
+          </p:cNvSpPr>
+          <p:nvPr>
+            <p:ph type="title"/>
+          </p:nvPr>
+        </p:nvSpPr>
+        <p:spPr/>
+        <p:txBody>
+          <a:bodyPr/>
+          <a:lstStyle/>
+          <a:p>
+            <a:r>
+              <a:rPr lang="en-US" dirty="0"/>
+              <a:t>Result (best model)</a:t>
+            </a:r>
+          </a:p>
+        </p:txBody>
+      </p:sp>
+      <p:sp>
+        <p:nvSpPr>
+          <p:cNvPr id="3" name="Content Placeholder 2">
+            <a:extLst>
+              <a:ext uri="{FF2B5EF4-FFF2-40B4-BE49-F238E27FC236}">
+                <a16:creationId xmlns:a16="http://schemas.microsoft.com/office/drawing/2014/main" id="{022B2370-817E-A347-9793-B6B492C6C651}"/>
+              </a:ext>
+            </a:extLst>
+          </p:cNvPr>
+          <p:cNvSpPr>
+            <a:spLocks noGrp="1"/>
+          </p:cNvSpPr>
+          <p:nvPr>
+            <p:ph idx="1"/>
+          </p:nvPr>
+        </p:nvSpPr>
+        <p:spPr>
+          <a:xfrm>
+            <a:off x="2231136" y="2638044"/>
+            <a:ext cx="7729728" cy="3777996"/>
+          </a:xfrm>
+        </p:spPr>
+        <p:txBody>
+          <a:bodyPr/>
+          <a:lstStyle/>
+          <a:p>
+            <a:r>
+              <a:rPr lang="en-US" dirty="0"/>
+              <a:t>Achieved 75% precision score from using best machine learning model</a:t>
+            </a:r>
+          </a:p>
+          <a:p>
+            <a:r>
+              <a:rPr lang="en-US" dirty="0"/>
+              <a:t>Best model</a:t>
+            </a:r>
+          </a:p>
+          <a:p>
+            <a:pPr lvl="1"/>
+            <a:r>
+              <a:rPr lang="en-US" dirty="0" err="1"/>
+              <a:t>Knn</a:t>
+            </a:r>
+            <a:r>
+              <a:rPr lang="en-US" dirty="0"/>
+              <a:t> Classifier and </a:t>
+            </a:r>
+            <a:r>
+              <a:rPr lang="en-US" dirty="0" err="1"/>
+              <a:t>MinMaxScaler</a:t>
+            </a:r>
+            <a:r>
+              <a:rPr lang="en-US" dirty="0"/>
+              <a:t>()</a:t>
+            </a:r>
+          </a:p>
+          <a:p>
+            <a:pPr lvl="1"/>
+            <a:r>
+              <a:rPr lang="en-US" dirty="0"/>
+              <a:t>Best </a:t>
+            </a:r>
+            <a:r>
+              <a:rPr lang="en-US" dirty="0" err="1"/>
+              <a:t>params</a:t>
+            </a:r>
+            <a:r>
+              <a:rPr lang="en-US" dirty="0"/>
+              <a:t>:</a:t>
+            </a:r>
+          </a:p>
+          <a:p>
+            <a:pPr lvl="2"/>
+            <a:r>
+              <a:rPr lang="en-US" dirty="0"/>
+              <a:t>Leaf size: 5</a:t>
+            </a:r>
+          </a:p>
+          <a:p>
+            <a:pPr lvl="2"/>
+            <a:r>
+              <a:rPr lang="en-US" dirty="0"/>
+              <a:t>N neighbors: 5</a:t>
+            </a:r>
+          </a:p>
+          <a:p>
+            <a:pPr lvl="2"/>
+            <a:r>
+              <a:rPr lang="en-US" dirty="0"/>
+              <a:t>P: 1</a:t>
+            </a:r>
+          </a:p>
+          <a:p>
+            <a:pPr lvl="2"/>
+            <a:r>
+              <a:rPr lang="en-US" dirty="0"/>
+              <a:t>Weights: Uniform</a:t>
+            </a:r>
+          </a:p>
+          <a:p>
+            <a:r>
+              <a:rPr lang="en-US" dirty="0"/>
+              <a:t>9 features are used to predict the model</a:t>
+            </a:r>
+          </a:p>
+        </p:txBody>
+      </p:sp>
+    </p:spTree>
+    <p:extLst>
+      <p:ext uri="{BB962C8B-B14F-4D97-AF65-F5344CB8AC3E}">
+        <p14:creationId xmlns:p14="http://schemas.microsoft.com/office/powerpoint/2010/main" val="1222220903"/>
+      </p:ext>
+    </p:extLst>
+  </p:cSld>
+  <p:clrMapOvr>
+    <a:masterClrMapping/>
+  </p:clrMapOvr>
+</p:sld>
+</file>
+
+<file path=ppt/slides/slide21.xml><?xml version="1.0" encoding="utf-8"?>
+<p:sld xmlns:a="http://schemas.openxmlformats.org/drawingml/2006/main" xmlns:r="http://schemas.openxmlformats.org/officeDocument/2006/relationships" xmlns:p="http://schemas.openxmlformats.org/presentationml/2006/main">
+  <p:cSld>
+    <p:spTree>
+      <p:nvGrpSpPr>
+        <p:cNvPr id="1" name=""/>
+        <p:cNvGrpSpPr/>
+        <p:nvPr/>
+      </p:nvGrpSpPr>
+      <p:grpSpPr>
+        <a:xfrm>
+          <a:off x="0" y="0"/>
+          <a:ext cx="0" cy="0"/>
+          <a:chOff x="0" y="0"/>
+          <a:chExt cx="0" cy="0"/>
+        </a:xfrm>
+      </p:grpSpPr>
+      <p:sp>
+        <p:nvSpPr>
+          <p:cNvPr id="2" name="Title 1">
+            <a:extLst>
+              <a:ext uri="{FF2B5EF4-FFF2-40B4-BE49-F238E27FC236}">
+                <a16:creationId xmlns:a16="http://schemas.microsoft.com/office/drawing/2014/main" id="{A61D789F-C630-0A42-BA80-69A2F53EEC73}"/>
+              </a:ext>
+            </a:extLst>
+          </p:cNvPr>
+          <p:cNvSpPr>
+            <a:spLocks noGrp="1"/>
+          </p:cNvSpPr>
+          <p:nvPr>
+            <p:ph type="title"/>
+          </p:nvPr>
+        </p:nvSpPr>
+        <p:spPr/>
+        <p:txBody>
+          <a:bodyPr/>
+          <a:lstStyle/>
+          <a:p>
+            <a:r>
+              <a:rPr lang="en-US" dirty="0"/>
+              <a:t>conclusion</a:t>
+            </a:r>
+          </a:p>
+        </p:txBody>
+      </p:sp>
+      <p:sp>
+        <p:nvSpPr>
+          <p:cNvPr id="3" name="Content Placeholder 2">
+            <a:extLst>
+              <a:ext uri="{FF2B5EF4-FFF2-40B4-BE49-F238E27FC236}">
+                <a16:creationId xmlns:a16="http://schemas.microsoft.com/office/drawing/2014/main" id="{022B2370-817E-A347-9793-B6B492C6C651}"/>
+              </a:ext>
+            </a:extLst>
+          </p:cNvPr>
+          <p:cNvSpPr>
+            <a:spLocks noGrp="1"/>
+          </p:cNvSpPr>
+          <p:nvPr>
+            <p:ph idx="1"/>
+          </p:nvPr>
+        </p:nvSpPr>
+        <p:spPr/>
+        <p:txBody>
+          <a:bodyPr>
+            <a:normAutofit fontScale="92500" lnSpcReduction="20000"/>
+          </a:bodyPr>
+          <a:lstStyle/>
+          <a:p>
+            <a:r>
+              <a:rPr lang="en-US" dirty="0"/>
+              <a:t>Although the algorithm is able to predict the success of a new app from its app details (quantitative standards) with 75% precision score, app details alone does not guarantee the app will have good quality. </a:t>
+            </a:r>
+          </a:p>
+          <a:p>
+            <a:r>
+              <a:rPr lang="en-US" dirty="0"/>
+              <a:t>Some qualities include (Non quantitative):</a:t>
+            </a:r>
+          </a:p>
+          <a:p>
+            <a:pPr lvl="1"/>
+            <a:r>
+              <a:rPr lang="en-US" dirty="0"/>
+              <a:t>Does one thing well</a:t>
+            </a:r>
+          </a:p>
+          <a:p>
+            <a:pPr lvl="2"/>
+            <a:r>
+              <a:rPr lang="en-US" dirty="0"/>
+              <a:t>Do not cram too many features into an app</a:t>
+            </a:r>
+          </a:p>
+          <a:p>
+            <a:pPr lvl="1"/>
+            <a:r>
+              <a:rPr lang="en-US" dirty="0"/>
+              <a:t>Knows its audience</a:t>
+            </a:r>
+          </a:p>
+          <a:p>
+            <a:pPr lvl="2"/>
+            <a:r>
+              <a:rPr lang="en-US" dirty="0"/>
+              <a:t>Research your audience and focus on meeting their specific needs</a:t>
+            </a:r>
+          </a:p>
+          <a:p>
+            <a:pPr lvl="1"/>
+            <a:r>
+              <a:rPr lang="en-US" dirty="0"/>
+              <a:t>Polished app</a:t>
+            </a:r>
+          </a:p>
+          <a:p>
+            <a:pPr lvl="2"/>
+            <a:r>
+              <a:rPr lang="en-US" dirty="0"/>
+              <a:t>Little details such as animations, sound effects, interactions</a:t>
+            </a:r>
+          </a:p>
+          <a:p>
+            <a:pPr lvl="1"/>
+            <a:endParaRPr lang="en-US" dirty="0"/>
+          </a:p>
+          <a:p>
+            <a:endParaRPr lang="en-US" dirty="0"/>
+          </a:p>
+        </p:txBody>
+      </p:sp>
+    </p:spTree>
+    <p:extLst>
+      <p:ext uri="{BB962C8B-B14F-4D97-AF65-F5344CB8AC3E}">
+        <p14:creationId xmlns:p14="http://schemas.microsoft.com/office/powerpoint/2010/main" val="1682113503"/>
+      </p:ext>
+    </p:extLst>
+  </p:cSld>
+  <p:clrMapOvr>
+    <a:masterClrMapping/>
+  </p:clrMapOvr>
+</p:sld>
+</file>
+
+<file path=ppt/slides/slide22.xml><?xml version="1.0" encoding="utf-8"?>
+<p:sld xmlns:a="http://schemas.openxmlformats.org/drawingml/2006/main" xmlns:r="http://schemas.openxmlformats.org/officeDocument/2006/relationships" xmlns:p="http://schemas.openxmlformats.org/presentationml/2006/main">
+  <p:cSld>
+    <p:spTree>
+      <p:nvGrpSpPr>
+        <p:cNvPr id="1" name=""/>
+        <p:cNvGrpSpPr/>
+        <p:nvPr/>
+      </p:nvGrpSpPr>
+      <p:grpSpPr>
+        <a:xfrm>
+          <a:off x="0" y="0"/>
+          <a:ext cx="0" cy="0"/>
+          <a:chOff x="0" y="0"/>
+          <a:chExt cx="0" cy="0"/>
+        </a:xfrm>
+      </p:grpSpPr>
+      <p:sp>
+        <p:nvSpPr>
+          <p:cNvPr id="2" name="Title 1">
+            <a:extLst>
+              <a:ext uri="{FF2B5EF4-FFF2-40B4-BE49-F238E27FC236}">
+                <a16:creationId xmlns:a16="http://schemas.microsoft.com/office/drawing/2014/main" id="{6B30A1CF-1E17-BE47-A035-F5BE723BE249}"/>
+              </a:ext>
+            </a:extLst>
+          </p:cNvPr>
+          <p:cNvSpPr>
+            <a:spLocks noGrp="1"/>
+          </p:cNvSpPr>
+          <p:nvPr>
+            <p:ph type="title"/>
+          </p:nvPr>
+        </p:nvSpPr>
+        <p:spPr/>
+        <p:txBody>
+          <a:bodyPr/>
+          <a:lstStyle/>
+          <a:p>
+            <a:r>
+              <a:rPr lang="en-US" dirty="0"/>
+              <a:t>references</a:t>
+            </a:r>
+          </a:p>
+        </p:txBody>
+      </p:sp>
+      <p:sp>
+        <p:nvSpPr>
+          <p:cNvPr id="3" name="Content Placeholder 2">
+            <a:extLst>
+              <a:ext uri="{FF2B5EF4-FFF2-40B4-BE49-F238E27FC236}">
+                <a16:creationId xmlns:a16="http://schemas.microsoft.com/office/drawing/2014/main" id="{52937D48-83D6-F842-B32F-1A6230E4BEBD}"/>
+              </a:ext>
+            </a:extLst>
+          </p:cNvPr>
+          <p:cNvSpPr>
+            <a:spLocks noGrp="1"/>
+          </p:cNvSpPr>
+          <p:nvPr>
+            <p:ph idx="1"/>
+          </p:nvPr>
+        </p:nvSpPr>
+        <p:spPr/>
+        <p:txBody>
+          <a:bodyPr/>
+          <a:lstStyle/>
+          <a:p>
+            <a:r>
+              <a:rPr lang="en-US" dirty="0">
+                <a:hlinkClick r:id="rId2"/>
+              </a:rPr>
+              <a:t>https://savvyapps.com/blog/what-makes-a-great-app#:~:text=What%20makes%20an%20app%20great,for%20creating%20a%20great%20app</a:t>
+            </a:r>
+            <a:r>
+              <a:rPr lang="en-US" dirty="0"/>
+              <a:t>.</a:t>
+            </a:r>
+          </a:p>
+          <a:p>
+            <a:endParaRPr lang="en-US" dirty="0"/>
+          </a:p>
+        </p:txBody>
+      </p:sp>
+    </p:spTree>
+    <p:extLst>
+      <p:ext uri="{BB962C8B-B14F-4D97-AF65-F5344CB8AC3E}">
+        <p14:creationId xmlns:p14="http://schemas.microsoft.com/office/powerpoint/2010/main" val="3115085895"/>
       </p:ext>
     </p:extLst>
   </p:cSld>
@@ -3962,7 +5912,7 @@
           <p:cNvPr id="2" name="Title 1">
             <a:extLst>
               <a:ext uri="{FF2B5EF4-FFF2-40B4-BE49-F238E27FC236}">
-                <a16:creationId xmlns:a16="http://schemas.microsoft.com/office/drawing/2014/main" id="{91A96DBF-25BE-6445-A5EC-F20C3383AFA4}"/>
+                <a16:creationId xmlns:a16="http://schemas.microsoft.com/office/drawing/2014/main" id="{FD9FE5F1-9E8F-9943-A340-3038AE618D22}"/>
               </a:ext>
             </a:extLst>
           </p:cNvPr>
@@ -3980,7 +5930,7 @@
           <a:p>
             <a:r>
               <a:rPr lang="en-US" dirty="0"/>
-              <a:t>solution</a:t>
+              <a:t>Business Problem</a:t>
             </a:r>
           </a:p>
         </p:txBody>
@@ -3990,7 +5940,7 @@
           <p:cNvPr id="3" name="Content Placeholder 2">
             <a:extLst>
               <a:ext uri="{FF2B5EF4-FFF2-40B4-BE49-F238E27FC236}">
-                <a16:creationId xmlns:a16="http://schemas.microsoft.com/office/drawing/2014/main" id="{97602042-38A1-0544-A380-5C6B2BEAC992}"/>
+                <a16:creationId xmlns:a16="http://schemas.microsoft.com/office/drawing/2014/main" id="{55879EEC-5DB7-6B4B-A1EF-7F8D347D1C5A}"/>
               </a:ext>
             </a:extLst>
           </p:cNvPr>
@@ -4008,27 +5958,46 @@
           <a:p>
             <a:r>
               <a:rPr lang="en-US" dirty="0"/>
-              <a:t>A machine learning algorithm to predict a successful app just by looking its app details (e.g. Size, genre, price, number of supported devices, etc.)</a:t>
-            </a:r>
-          </a:p>
-          <a:p>
-            <a:r>
-              <a:rPr lang="en-US" dirty="0"/>
-              <a:t>This research will also try to look at what makes an app successful based on app details from the existing market</a:t>
-            </a:r>
-          </a:p>
-          <a:p>
-            <a:r>
-              <a:rPr lang="en-US" dirty="0"/>
-              <a:t>Successful app is defined as an app that has user rating above 4 (inclusive)</a:t>
-            </a:r>
+              <a:t>Companies create bad apps (Rated below 4)</a:t>
+            </a:r>
+          </a:p>
+          <a:p>
+            <a:r>
+              <a:rPr lang="en-US" dirty="0"/>
+              <a:t>Companies cannot predict it is going to be a bad app or a good app before they launch it to the market</a:t>
+            </a:r>
+          </a:p>
+          <a:p>
+            <a:r>
+              <a:rPr lang="en-US" dirty="0"/>
+              <a:t>Highly rated apps usually comes from non quantitative measures</a:t>
+            </a:r>
+          </a:p>
+          <a:p>
+            <a:pPr lvl="1"/>
+            <a:r>
+              <a:rPr lang="en-US" dirty="0"/>
+              <a:t>How it does one thing, innovation (disruptive or sustainable),  how well it knows the audience, etc.</a:t>
+            </a:r>
+          </a:p>
+          <a:p>
+            <a:endParaRPr lang="en-US" dirty="0"/>
+          </a:p>
+          <a:p>
+            <a:endParaRPr lang="en-US" dirty="0"/>
+          </a:p>
+          <a:p>
+            <a:endParaRPr lang="en-US" dirty="0"/>
+          </a:p>
+          <a:p>
+            <a:endParaRPr lang="en-US" dirty="0"/>
           </a:p>
         </p:txBody>
       </p:sp>
     </p:spTree>
     <p:extLst>
       <p:ext uri="{BB962C8B-B14F-4D97-AF65-F5344CB8AC3E}">
-        <p14:creationId xmlns:p14="http://schemas.microsoft.com/office/powerpoint/2010/main" val="4180291412"/>
+        <p14:creationId xmlns:p14="http://schemas.microsoft.com/office/powerpoint/2010/main" val="2567967250"/>
       </p:ext>
     </p:extLst>
   </p:cSld>
@@ -4078,7 +6047,7 @@
           <a:p>
             <a:r>
               <a:rPr lang="en-US" dirty="0"/>
-              <a:t>dataset</a:t>
+              <a:t>Solution (why we need machine learning?)</a:t>
             </a:r>
           </a:p>
         </p:txBody>
@@ -4099,100 +6068,34 @@
             <p:ph idx="1"/>
           </p:nvPr>
         </p:nvSpPr>
-        <p:spPr>
-          <a:xfrm>
-            <a:off x="2231136" y="2638044"/>
-            <a:ext cx="7729728" cy="3101983"/>
-          </a:xfrm>
-        </p:spPr>
-        <p:txBody>
-          <a:bodyPr>
-            <a:normAutofit fontScale="92500" lnSpcReduction="20000"/>
-          </a:bodyPr>
-          <a:lstStyle/>
-          <a:p>
-            <a:r>
-              <a:rPr lang="en-US" dirty="0"/>
-              <a:t>Content:</a:t>
-            </a:r>
-          </a:p>
-          <a:p>
-            <a:pPr lvl="1"/>
-            <a:r>
-              <a:rPr lang="en-US" dirty="0" err="1"/>
-              <a:t>appleStore.csv</a:t>
-            </a:r>
-            <a:r>
-              <a:rPr lang="en-US" dirty="0"/>
-              <a:t>: </a:t>
-            </a:r>
-          </a:p>
-          <a:p>
-            <a:pPr lvl="2"/>
-            <a:r>
-              <a:rPr lang="en-US" dirty="0"/>
-              <a:t>App details</a:t>
-            </a:r>
-          </a:p>
-          <a:p>
-            <a:pPr lvl="1"/>
-            <a:r>
-              <a:rPr lang="en-US" dirty="0" err="1"/>
-              <a:t>appleStore_description.csv</a:t>
-            </a:r>
-            <a:endParaRPr lang="en-US" dirty="0"/>
-          </a:p>
-          <a:p>
-            <a:pPr lvl="2"/>
-            <a:r>
-              <a:rPr lang="en-US" dirty="0"/>
-              <a:t>App descriptions</a:t>
-            </a:r>
-          </a:p>
-          <a:p>
-            <a:r>
-              <a:rPr lang="en-US" dirty="0"/>
-              <a:t>Dimension:</a:t>
-            </a:r>
-          </a:p>
-          <a:p>
-            <a:pPr lvl="1"/>
-            <a:r>
-              <a:rPr lang="en-US" dirty="0"/>
-              <a:t>7197 rows and 16 columns</a:t>
-            </a:r>
-          </a:p>
-          <a:p>
-            <a:r>
-              <a:rPr lang="en-ID" dirty="0"/>
-              <a:t>The data was extracted from the iTunes Search API at the Apple Inc website by Ramanathan </a:t>
-            </a:r>
-            <a:r>
-              <a:rPr lang="en-ID" dirty="0" err="1"/>
-              <a:t>Perumal</a:t>
-            </a:r>
-            <a:r>
-              <a:rPr lang="en-ID" dirty="0"/>
-              <a:t> (2018). R and </a:t>
-            </a:r>
-            <a:r>
-              <a:rPr lang="en-ID" dirty="0" err="1"/>
-              <a:t>linux</a:t>
-            </a:r>
-            <a:r>
-              <a:rPr lang="en-ID" dirty="0"/>
-              <a:t> web scraping tools were used for this study.</a:t>
-            </a:r>
-          </a:p>
-          <a:p>
-            <a:endParaRPr lang="en-ID" dirty="0"/>
+        <p:spPr/>
+        <p:txBody>
+          <a:bodyPr/>
+          <a:lstStyle/>
+          <a:p>
+            <a:r>
+              <a:rPr lang="en-US" dirty="0"/>
+              <a:t>A machine learning algorithm to predict a successful app just by looking its app details (e.g. Size, genre, price, number of supported devices, etc.)</a:t>
+            </a:r>
+          </a:p>
+          <a:p>
+            <a:r>
+              <a:rPr lang="en-US" dirty="0"/>
+              <a:t>This research will also try to look at what makes an app successful based on app details from the existing market</a:t>
+            </a:r>
+          </a:p>
+          <a:p>
+            <a:r>
+              <a:rPr lang="en-US" dirty="0"/>
+              <a:t>Successful app is defined as an app that has user rating above 4 (inclusive)</a:t>
+            </a:r>
           </a:p>
         </p:txBody>
       </p:sp>
     </p:spTree>
     <p:extLst>
       <p:ext uri="{BB962C8B-B14F-4D97-AF65-F5344CB8AC3E}">
-        <p14:creationId xmlns:p14="http://schemas.microsoft.com/office/powerpoint/2010/main" val="2111116017"/>
+        <p14:creationId xmlns:p14="http://schemas.microsoft.com/office/powerpoint/2010/main" val="4180291412"/>
       </p:ext>
     </p:extLst>
   </p:cSld>
@@ -4224,7 +6127,7 @@
           <p:cNvPr id="2" name="Title 1">
             <a:extLst>
               <a:ext uri="{FF2B5EF4-FFF2-40B4-BE49-F238E27FC236}">
-                <a16:creationId xmlns:a16="http://schemas.microsoft.com/office/drawing/2014/main" id="{675FD732-86CA-A64D-A26F-9259A565FA88}"/>
+                <a16:creationId xmlns:a16="http://schemas.microsoft.com/office/drawing/2014/main" id="{91A96DBF-25BE-6445-A5EC-F20C3383AFA4}"/>
               </a:ext>
             </a:extLst>
           </p:cNvPr>
@@ -4242,7 +6145,7 @@
           <a:p>
             <a:r>
               <a:rPr lang="en-US" dirty="0"/>
-              <a:t>STEPS</a:t>
+              <a:t>About the dataset</a:t>
             </a:r>
           </a:p>
         </p:txBody>
@@ -4252,7 +6155,7 @@
           <p:cNvPr id="3" name="Content Placeholder 2">
             <a:extLst>
               <a:ext uri="{FF2B5EF4-FFF2-40B4-BE49-F238E27FC236}">
-                <a16:creationId xmlns:a16="http://schemas.microsoft.com/office/drawing/2014/main" id="{B5DCEFBF-2AEE-904B-8006-E4C4B4833034}"/>
+                <a16:creationId xmlns:a16="http://schemas.microsoft.com/office/drawing/2014/main" id="{97602042-38A1-0544-A380-5C6B2BEAC992}"/>
               </a:ext>
             </a:extLst>
           </p:cNvPr>
@@ -4263,76 +6166,100 @@
             <p:ph idx="1"/>
           </p:nvPr>
         </p:nvSpPr>
-        <p:spPr/>
-        <p:txBody>
-          <a:bodyPr/>
-          <a:lstStyle/>
-          <a:p>
-            <a:r>
-              <a:rPr lang="en-US" dirty="0"/>
-              <a:t>Read and Merge Dataset</a:t>
-            </a:r>
-          </a:p>
-          <a:p>
-            <a:r>
-              <a:rPr lang="en-US" dirty="0"/>
-              <a:t>EDA</a:t>
-            </a:r>
-          </a:p>
-          <a:p>
-            <a:pPr marL="571500" lvl="1" indent="-342900">
-              <a:buFont typeface="+mj-lt"/>
-              <a:buAutoNum type="arabicPeriod"/>
-            </a:pPr>
+        <p:spPr>
+          <a:xfrm>
+            <a:off x="2231136" y="2638044"/>
+            <a:ext cx="7729728" cy="3101983"/>
+          </a:xfrm>
+        </p:spPr>
+        <p:txBody>
+          <a:bodyPr>
+            <a:normAutofit fontScale="92500" lnSpcReduction="20000"/>
+          </a:bodyPr>
+          <a:lstStyle/>
+          <a:p>
+            <a:r>
+              <a:rPr lang="en-US" dirty="0"/>
+              <a:t>Content:</a:t>
+            </a:r>
+          </a:p>
+          <a:p>
+            <a:pPr lvl="1"/>
+            <a:r>
+              <a:rPr lang="en-US" dirty="0" err="1"/>
+              <a:t>appleStore.csv</a:t>
+            </a:r>
+            <a:r>
+              <a:rPr lang="en-US" dirty="0"/>
+              <a:t>: </a:t>
+            </a:r>
+          </a:p>
+          <a:p>
+            <a:pPr lvl="2"/>
+            <a:r>
+              <a:rPr lang="en-US" dirty="0"/>
+              <a:t>App details</a:t>
+            </a:r>
+          </a:p>
+          <a:p>
+            <a:pPr lvl="1"/>
+            <a:r>
+              <a:rPr lang="en-US" dirty="0" err="1"/>
+              <a:t>appleStore_description.csv</a:t>
+            </a:r>
+            <a:endParaRPr lang="en-US" dirty="0"/>
+          </a:p>
+          <a:p>
+            <a:pPr lvl="2"/>
+            <a:r>
+              <a:rPr lang="en-US" dirty="0"/>
+              <a:t>App descriptions</a:t>
+            </a:r>
+          </a:p>
+          <a:p>
+            <a:r>
+              <a:rPr lang="en-US" dirty="0"/>
+              <a:t>Dimension:</a:t>
+            </a:r>
+          </a:p>
+          <a:p>
+            <a:pPr lvl="1"/>
+            <a:r>
+              <a:rPr lang="en-US" dirty="0"/>
+              <a:t>7197 rows and 16 columns</a:t>
+            </a:r>
+          </a:p>
+          <a:p>
             <a:r>
               <a:rPr lang="en-ID" dirty="0"/>
-              <a:t>How does app details contribute to user ratings? What makes a good app?</a:t>
-            </a:r>
-          </a:p>
-          <a:p>
-            <a:pPr marL="571500" lvl="1" indent="-342900">
-              <a:buFont typeface="+mj-lt"/>
-              <a:buAutoNum type="arabicPeriod"/>
-            </a:pPr>
+              <a:t>The data was extracted from the iTunes Search API at the Apple Inc website by Ramanathan </a:t>
+            </a:r>
+            <a:r>
+              <a:rPr lang="en-ID" dirty="0" err="1"/>
+              <a:t>Perumal</a:t>
+            </a:r>
             <a:r>
               <a:rPr lang="en-ID" dirty="0"/>
-              <a:t>Try to compare statistics for different groups!</a:t>
-            </a:r>
-          </a:p>
-          <a:p>
-            <a:pPr marL="571500" lvl="1" indent="-342900">
-              <a:buFont typeface="+mj-lt"/>
-              <a:buAutoNum type="arabicPeriod"/>
-            </a:pPr>
+              <a:t> (2018). R and </a:t>
+            </a:r>
+            <a:r>
+              <a:rPr lang="en-ID" dirty="0" err="1"/>
+              <a:t>linux</a:t>
+            </a:r>
             <a:r>
               <a:rPr lang="en-ID" dirty="0"/>
-              <a:t>What should a company do to boost user ratings by looking at app details?</a:t>
-            </a:r>
-          </a:p>
-          <a:p>
-            <a:r>
-              <a:rPr lang="en-ID" dirty="0"/>
-              <a:t>Feature Engineering</a:t>
-            </a:r>
-          </a:p>
-          <a:p>
-            <a:r>
-              <a:rPr lang="en-ID" dirty="0"/>
-              <a:t>Find Best Model</a:t>
-            </a:r>
-          </a:p>
-          <a:p>
-            <a:r>
-              <a:rPr lang="en-ID" dirty="0"/>
-              <a:t>Hyperparameter Tuning</a:t>
-            </a:r>
+              <a:t> web scraping tools were used for this study.</a:t>
+            </a:r>
+          </a:p>
+          <a:p>
+            <a:endParaRPr lang="en-ID" dirty="0"/>
           </a:p>
         </p:txBody>
       </p:sp>
     </p:spTree>
     <p:extLst>
       <p:ext uri="{BB962C8B-B14F-4D97-AF65-F5344CB8AC3E}">
-        <p14:creationId xmlns:p14="http://schemas.microsoft.com/office/powerpoint/2010/main" val="3249467404"/>
+        <p14:creationId xmlns:p14="http://schemas.microsoft.com/office/powerpoint/2010/main" val="2111116017"/>
       </p:ext>
     </p:extLst>
   </p:cSld>
@@ -4364,7 +6291,7 @@
           <p:cNvPr id="2" name="Title 1">
             <a:extLst>
               <a:ext uri="{FF2B5EF4-FFF2-40B4-BE49-F238E27FC236}">
-                <a16:creationId xmlns:a16="http://schemas.microsoft.com/office/drawing/2014/main" id="{A61D789F-C630-0A42-BA80-69A2F53EEC73}"/>
+                <a16:creationId xmlns:a16="http://schemas.microsoft.com/office/drawing/2014/main" id="{675FD732-86CA-A64D-A26F-9259A565FA88}"/>
               </a:ext>
             </a:extLst>
           </p:cNvPr>
@@ -4382,7 +6309,7 @@
           <a:p>
             <a:r>
               <a:rPr lang="en-US" dirty="0"/>
-              <a:t>result</a:t>
+              <a:t>STEPS</a:t>
             </a:r>
           </a:p>
         </p:txBody>
@@ -4392,7 +6319,7 @@
           <p:cNvPr id="3" name="Content Placeholder 2">
             <a:extLst>
               <a:ext uri="{FF2B5EF4-FFF2-40B4-BE49-F238E27FC236}">
-                <a16:creationId xmlns:a16="http://schemas.microsoft.com/office/drawing/2014/main" id="{022B2370-817E-A347-9793-B6B492C6C651}"/>
+                <a16:creationId xmlns:a16="http://schemas.microsoft.com/office/drawing/2014/main" id="{B5DCEFBF-2AEE-904B-8006-E4C4B4833034}"/>
               </a:ext>
             </a:extLst>
           </p:cNvPr>
@@ -4410,75 +6337,55 @@
           <a:p>
             <a:r>
               <a:rPr lang="en-US" dirty="0"/>
-              <a:t>Achieved 80% precision score from using best machine learning model</a:t>
-            </a:r>
-          </a:p>
-          <a:p>
-            <a:r>
-              <a:rPr lang="en-US" dirty="0"/>
-              <a:t>Best model</a:t>
-            </a:r>
-          </a:p>
-          <a:p>
-            <a:pPr lvl="1"/>
-            <a:r>
-              <a:rPr lang="en-US" dirty="0" err="1"/>
-              <a:t>Knn</a:t>
-            </a:r>
-            <a:r>
-              <a:rPr lang="en-US" dirty="0"/>
-              <a:t> Classifier with SMOTE() and </a:t>
-            </a:r>
-            <a:r>
-              <a:rPr lang="en-US" dirty="0" err="1"/>
-              <a:t>MinMaxScaler</a:t>
-            </a:r>
-            <a:r>
-              <a:rPr lang="en-US" dirty="0"/>
-              <a:t>()</a:t>
-            </a:r>
-          </a:p>
-          <a:p>
-            <a:pPr lvl="1"/>
-            <a:r>
-              <a:rPr lang="en-US" dirty="0"/>
-              <a:t>Best </a:t>
-            </a:r>
-            <a:r>
-              <a:rPr lang="en-US" dirty="0" err="1"/>
-              <a:t>params</a:t>
-            </a:r>
-            <a:r>
-              <a:rPr lang="en-US" dirty="0"/>
-              <a:t>:</a:t>
-            </a:r>
-          </a:p>
-          <a:p>
-            <a:pPr lvl="2"/>
-            <a:r>
-              <a:rPr lang="en-US" dirty="0"/>
-              <a:t>Leaf size: 5</a:t>
-            </a:r>
-          </a:p>
-          <a:p>
-            <a:pPr lvl="2"/>
-            <a:r>
-              <a:rPr lang="en-US" dirty="0"/>
-              <a:t>N neighbors: 10</a:t>
-            </a:r>
-          </a:p>
-          <a:p>
-            <a:pPr lvl="2"/>
-            <a:r>
-              <a:rPr lang="en-US" dirty="0"/>
-              <a:t>P: 2</a:t>
-            </a:r>
-          </a:p>
-          <a:p>
-            <a:pPr lvl="2"/>
-            <a:r>
-              <a:rPr lang="en-US" dirty="0"/>
-              <a:t>Weights: Uniform</a:t>
+              <a:t>Read and Merge Dataset</a:t>
+            </a:r>
+          </a:p>
+          <a:p>
+            <a:r>
+              <a:rPr lang="en-US" dirty="0"/>
+              <a:t>EDA (Answer key questions)</a:t>
+            </a:r>
+          </a:p>
+          <a:p>
+            <a:r>
+              <a:rPr lang="en-ID" dirty="0"/>
+              <a:t>Feature Engineering (Based on EDA)</a:t>
+            </a:r>
+          </a:p>
+          <a:p>
+            <a:r>
+              <a:rPr lang="en-ID" dirty="0"/>
+              <a:t>Find Best Model (</a:t>
+            </a:r>
+            <a:r>
+              <a:rPr lang="en-ID" dirty="0" err="1"/>
+              <a:t>Logreg</a:t>
+            </a:r>
+            <a:r>
+              <a:rPr lang="en-ID" dirty="0"/>
+              <a:t>, decision tree, </a:t>
+            </a:r>
+            <a:r>
+              <a:rPr lang="en-ID" dirty="0" err="1"/>
+              <a:t>knn</a:t>
+            </a:r>
+            <a:r>
+              <a:rPr lang="en-ID" dirty="0"/>
+              <a:t>, random forest)</a:t>
+            </a:r>
+          </a:p>
+          <a:p>
+            <a:r>
+              <a:rPr lang="en-ID" dirty="0"/>
+              <a:t>Hyperparameter Tuning (</a:t>
+            </a:r>
+            <a:r>
+              <a:rPr lang="en-ID" dirty="0" err="1"/>
+              <a:t>knn</a:t>
+            </a:r>
+            <a:r>
+              <a:rPr lang="en-ID" dirty="0"/>
+              <a:t>)</a:t>
             </a:r>
           </a:p>
         </p:txBody>
@@ -4486,7 +6393,7 @@
     </p:spTree>
     <p:extLst>
       <p:ext uri="{BB962C8B-B14F-4D97-AF65-F5344CB8AC3E}">
-        <p14:creationId xmlns:p14="http://schemas.microsoft.com/office/powerpoint/2010/main" val="1222220903"/>
+        <p14:creationId xmlns:p14="http://schemas.microsoft.com/office/powerpoint/2010/main" val="3249467404"/>
       </p:ext>
     </p:extLst>
   </p:cSld>
@@ -4518,7 +6425,7 @@
           <p:cNvPr id="2" name="Title 1">
             <a:extLst>
               <a:ext uri="{FF2B5EF4-FFF2-40B4-BE49-F238E27FC236}">
-                <a16:creationId xmlns:a16="http://schemas.microsoft.com/office/drawing/2014/main" id="{1A2E33A2-1A88-8C4B-B000-0423A1B4070E}"/>
+                <a16:creationId xmlns:a16="http://schemas.microsoft.com/office/drawing/2014/main" id="{59919514-05F5-3E40-9D92-EDB6610B0884}"/>
               </a:ext>
             </a:extLst>
           </p:cNvPr>
@@ -4535,9 +6442,10 @@
           <a:lstStyle/>
           <a:p>
             <a:r>
-              <a:rPr lang="en-US" dirty="0"/>
-              <a:t>improvements</a:t>
-            </a:r>
+              <a:rPr lang="en-US" dirty="0" err="1"/>
+              <a:t>eda</a:t>
+            </a:r>
+            <a:endParaRPr lang="en-US" dirty="0"/>
           </a:p>
         </p:txBody>
       </p:sp>
@@ -4546,7 +6454,7 @@
           <p:cNvPr id="3" name="Content Placeholder 2">
             <a:extLst>
               <a:ext uri="{FF2B5EF4-FFF2-40B4-BE49-F238E27FC236}">
-                <a16:creationId xmlns:a16="http://schemas.microsoft.com/office/drawing/2014/main" id="{77D0C828-3B7C-414A-8D7B-29AE583E15E8}"/>
+                <a16:creationId xmlns:a16="http://schemas.microsoft.com/office/drawing/2014/main" id="{6A2BF4F2-12C5-9A47-A6D3-34F44253ED56}"/>
               </a:ext>
             </a:extLst>
           </p:cNvPr>
@@ -4562,68 +6470,48 @@
           <a:bodyPr/>
           <a:lstStyle/>
           <a:p>
-            <a:r>
-              <a:rPr lang="en-US" dirty="0"/>
-              <a:t>More specific categories</a:t>
-            </a:r>
-          </a:p>
-          <a:p>
             <a:pPr lvl="1"/>
             <a:r>
-              <a:rPr lang="en-US" dirty="0"/>
-              <a:t>For Games:</a:t>
-            </a:r>
-          </a:p>
-          <a:p>
-            <a:pPr lvl="2"/>
-            <a:r>
-              <a:rPr lang="en-US" dirty="0"/>
-              <a:t>Include categories such as adventure, action, puzzle, arcade, etc.</a:t>
-            </a:r>
-          </a:p>
-          <a:p>
-            <a:pPr lvl="1"/>
-            <a:r>
-              <a:rPr lang="en-US" dirty="0"/>
-              <a:t>For Shopping:</a:t>
-            </a:r>
-          </a:p>
-          <a:p>
-            <a:pPr lvl="2"/>
-            <a:r>
-              <a:rPr lang="en-US" dirty="0"/>
-              <a:t>Differentiate between e-commerce and budget tracking for shopping.</a:t>
-            </a:r>
-          </a:p>
-          <a:p>
-            <a:pPr lvl="1"/>
-            <a:r>
-              <a:rPr lang="en-US" dirty="0"/>
-              <a:t>For Photo &amp; Video:</a:t>
-            </a:r>
-          </a:p>
-          <a:p>
-            <a:pPr lvl="2"/>
-            <a:r>
-              <a:rPr lang="en-US" dirty="0"/>
-              <a:t>Differentiate between Photo &amp; Video editing apps and social network.</a:t>
-            </a:r>
-          </a:p>
-          <a:p>
-            <a:r>
-              <a:rPr lang="en-US" dirty="0"/>
-              <a:t>Fetch user comments from rating data</a:t>
-            </a:r>
-          </a:p>
-          <a:p>
-            <a:endParaRPr lang="en-US" dirty="0"/>
+              <a:rPr lang="en-ID" dirty="0"/>
+              <a:t>Key Questions:</a:t>
+            </a:r>
+          </a:p>
+          <a:p>
+            <a:pPr marL="800100" lvl="2" indent="-342900">
+              <a:buFont typeface="+mj-lt"/>
+              <a:buAutoNum type="arabicPeriod"/>
+            </a:pPr>
+            <a:r>
+              <a:rPr lang="en-ID" dirty="0"/>
+              <a:t>How does app details contribute to user ratings? What makes a good app?</a:t>
+            </a:r>
+          </a:p>
+          <a:p>
+            <a:pPr marL="800100" lvl="2" indent="-342900">
+              <a:buFont typeface="+mj-lt"/>
+              <a:buAutoNum type="arabicPeriod"/>
+            </a:pPr>
+            <a:r>
+              <a:rPr lang="en-ID" dirty="0"/>
+              <a:t>Try to compare statistics for different groups!</a:t>
+            </a:r>
+          </a:p>
+          <a:p>
+            <a:pPr marL="800100" lvl="2" indent="-342900">
+              <a:buFont typeface="+mj-lt"/>
+              <a:buAutoNum type="arabicPeriod"/>
+            </a:pPr>
+            <a:r>
+              <a:rPr lang="en-ID" dirty="0"/>
+              <a:t>What should a company do to boost user ratings by looking at app details?</a:t>
+            </a:r>
           </a:p>
         </p:txBody>
       </p:sp>
     </p:spTree>
     <p:extLst>
       <p:ext uri="{BB962C8B-B14F-4D97-AF65-F5344CB8AC3E}">
-        <p14:creationId xmlns:p14="http://schemas.microsoft.com/office/powerpoint/2010/main" val="2429318930"/>
+        <p14:creationId xmlns:p14="http://schemas.microsoft.com/office/powerpoint/2010/main" val="3729589649"/>
       </p:ext>
     </p:extLst>
   </p:cSld>
@@ -4655,7 +6543,7 @@
           <p:cNvPr id="2" name="Title 1">
             <a:extLst>
               <a:ext uri="{FF2B5EF4-FFF2-40B4-BE49-F238E27FC236}">
-                <a16:creationId xmlns:a16="http://schemas.microsoft.com/office/drawing/2014/main" id="{A61D789F-C630-0A42-BA80-69A2F53EEC73}"/>
+                <a16:creationId xmlns:a16="http://schemas.microsoft.com/office/drawing/2014/main" id="{801385A8-48A6-3545-899D-D5313F7480DC}"/>
               </a:ext>
             </a:extLst>
           </p:cNvPr>
@@ -4673,92 +6561,85 @@
           <a:p>
             <a:r>
               <a:rPr lang="en-US" dirty="0"/>
-              <a:t>conclusion</a:t>
-            </a:r>
-          </a:p>
-        </p:txBody>
-      </p:sp>
-      <p:sp>
-        <p:nvSpPr>
-          <p:cNvPr id="3" name="Content Placeholder 2">
+              <a:t>Apps size</a:t>
+            </a:r>
+          </a:p>
+        </p:txBody>
+      </p:sp>
+      <p:pic>
+        <p:nvPicPr>
+          <p:cNvPr id="5" name="Content Placeholder 4">
             <a:extLst>
               <a:ext uri="{FF2B5EF4-FFF2-40B4-BE49-F238E27FC236}">
-                <a16:creationId xmlns:a16="http://schemas.microsoft.com/office/drawing/2014/main" id="{022B2370-817E-A347-9793-B6B492C6C651}"/>
+                <a16:creationId xmlns:a16="http://schemas.microsoft.com/office/drawing/2014/main" id="{8354B881-D81B-894B-BD7B-BE1C6EFAE714}"/>
               </a:ext>
             </a:extLst>
           </p:cNvPr>
-          <p:cNvSpPr>
-            <a:spLocks noGrp="1"/>
-          </p:cNvSpPr>
+          <p:cNvPicPr>
+            <a:picLocks noGrp="1" noChangeAspect="1"/>
+          </p:cNvPicPr>
           <p:nvPr>
             <p:ph idx="1"/>
           </p:nvPr>
-        </p:nvSpPr>
-        <p:spPr/>
-        <p:txBody>
-          <a:bodyPr>
-            <a:normAutofit fontScale="92500" lnSpcReduction="20000"/>
+        </p:nvPicPr>
+        <p:blipFill>
+          <a:blip r:embed="rId2"/>
+          <a:stretch>
+            <a:fillRect/>
+          </a:stretch>
+        </p:blipFill>
+        <p:spPr>
+          <a:xfrm>
+            <a:off x="569976" y="2516505"/>
+            <a:ext cx="5526024" cy="4046783"/>
+          </a:xfrm>
+        </p:spPr>
+      </p:pic>
+      <p:sp>
+        <p:nvSpPr>
+          <p:cNvPr id="6" name="Rectangle 5">
+            <a:extLst>
+              <a:ext uri="{FF2B5EF4-FFF2-40B4-BE49-F238E27FC236}">
+                <a16:creationId xmlns:a16="http://schemas.microsoft.com/office/drawing/2014/main" id="{4189483C-E675-604F-A544-EAA0EFF487E3}"/>
+              </a:ext>
+            </a:extLst>
+          </p:cNvPr>
+          <p:cNvSpPr/>
+          <p:nvPr/>
+        </p:nvSpPr>
+        <p:spPr>
+          <a:xfrm>
+            <a:off x="6659880" y="3557392"/>
+            <a:ext cx="4831080" cy="1477328"/>
+          </a:xfrm>
+          <a:prstGeom prst="rect">
+            <a:avLst/>
+          </a:prstGeom>
+        </p:spPr>
+        <p:txBody>
+          <a:bodyPr wrap="square">
+            <a:spAutoFit/>
           </a:bodyPr>
           <a:lstStyle/>
           <a:p>
             <a:r>
-              <a:rPr lang="en-US" dirty="0"/>
-              <a:t>Although the algorithm is able to predict the success of a new app from its app details (quantitative standards) with 80% precision score, app details alone does not guarantee the app will have good quality. </a:t>
-            </a:r>
-          </a:p>
-          <a:p>
-            <a:r>
-              <a:rPr lang="en-US" dirty="0"/>
-              <a:t>Some qualities include (Non quantitative):</a:t>
-            </a:r>
-          </a:p>
-          <a:p>
-            <a:pPr lvl="1"/>
-            <a:r>
-              <a:rPr lang="en-US" dirty="0"/>
-              <a:t>Does one thing well</a:t>
-            </a:r>
-          </a:p>
-          <a:p>
-            <a:pPr lvl="2"/>
-            <a:r>
-              <a:rPr lang="en-US" dirty="0"/>
-              <a:t>Do not cram too many features into an app</a:t>
-            </a:r>
-          </a:p>
-          <a:p>
-            <a:pPr lvl="1"/>
-            <a:r>
-              <a:rPr lang="en-US" dirty="0"/>
-              <a:t>Knows its audience</a:t>
-            </a:r>
-          </a:p>
-          <a:p>
-            <a:pPr lvl="2"/>
-            <a:r>
-              <a:rPr lang="en-US" dirty="0"/>
-              <a:t>Research your audience and focus on meeting their specific needs</a:t>
-            </a:r>
-          </a:p>
-          <a:p>
-            <a:pPr lvl="1"/>
-            <a:r>
-              <a:rPr lang="en-US" dirty="0"/>
-              <a:t>Polished app</a:t>
-            </a:r>
-          </a:p>
-          <a:p>
-            <a:pPr lvl="2"/>
-            <a:r>
-              <a:rPr lang="en-US" dirty="0"/>
-              <a:t>Little details such as animations, sound effects, interactions</a:t>
-            </a:r>
-          </a:p>
-          <a:p>
-            <a:pPr lvl="1"/>
-            <a:endParaRPr lang="en-US" dirty="0"/>
-          </a:p>
-          <a:p>
+              <a:rPr lang="en-ID" dirty="0">
+                <a:latin typeface="Arial" panose="020B0604020202020204" pitchFamily="34" charset="0"/>
+              </a:rPr>
+              <a:t>Highest rated paid apps are between 175 MB - 300 MB in size.</a:t>
+            </a:r>
+            <a:br>
+              <a:rPr lang="en-ID" dirty="0"/>
+            </a:br>
+            <a:br>
+              <a:rPr lang="en-ID" dirty="0"/>
+            </a:br>
+            <a:r>
+              <a:rPr lang="en-ID" dirty="0">
+                <a:latin typeface="Arial" panose="020B0604020202020204" pitchFamily="34" charset="0"/>
+              </a:rPr>
+              <a:t>Highest rated free apps are between 100 MB - 175 MB in size.</a:t>
+            </a:r>
             <a:endParaRPr lang="en-US" dirty="0"/>
           </a:p>
         </p:txBody>
@@ -4766,7 +6647,7 @@
     </p:spTree>
     <p:extLst>
       <p:ext uri="{BB962C8B-B14F-4D97-AF65-F5344CB8AC3E}">
-        <p14:creationId xmlns:p14="http://schemas.microsoft.com/office/powerpoint/2010/main" val="1682113503"/>
+        <p14:creationId xmlns:p14="http://schemas.microsoft.com/office/powerpoint/2010/main" val="1616323792"/>
       </p:ext>
     </p:extLst>
   </p:cSld>
@@ -4798,7 +6679,7 @@
           <p:cNvPr id="2" name="Title 1">
             <a:extLst>
               <a:ext uri="{FF2B5EF4-FFF2-40B4-BE49-F238E27FC236}">
-                <a16:creationId xmlns:a16="http://schemas.microsoft.com/office/drawing/2014/main" id="{6B30A1CF-1E17-BE47-A035-F5BE723BE249}"/>
+                <a16:creationId xmlns:a16="http://schemas.microsoft.com/office/drawing/2014/main" id="{DEAA4455-E722-1E48-9001-75464B62D430}"/>
               </a:ext>
             </a:extLst>
           </p:cNvPr>
@@ -4816,44 +6697,86 @@
           <a:p>
             <a:r>
               <a:rPr lang="en-US" dirty="0"/>
-              <a:t>references</a:t>
-            </a:r>
-          </a:p>
-        </p:txBody>
-      </p:sp>
-      <p:sp>
-        <p:nvSpPr>
-          <p:cNvPr id="3" name="Content Placeholder 2">
+              <a:t>Content ratings</a:t>
+            </a:r>
+          </a:p>
+        </p:txBody>
+      </p:sp>
+      <p:pic>
+        <p:nvPicPr>
+          <p:cNvPr id="5" name="Picture 4">
             <a:extLst>
               <a:ext uri="{FF2B5EF4-FFF2-40B4-BE49-F238E27FC236}">
-                <a16:creationId xmlns:a16="http://schemas.microsoft.com/office/drawing/2014/main" id="{52937D48-83D6-F842-B32F-1A6230E4BEBD}"/>
+                <a16:creationId xmlns:a16="http://schemas.microsoft.com/office/drawing/2014/main" id="{D4C976CF-4845-C748-A17C-C29D06942963}"/>
               </a:ext>
             </a:extLst>
           </p:cNvPr>
-          <p:cNvSpPr>
-            <a:spLocks noGrp="1"/>
-          </p:cNvSpPr>
-          <p:nvPr>
-            <p:ph idx="1"/>
-          </p:nvPr>
-        </p:nvSpPr>
-        <p:spPr/>
-        <p:txBody>
-          <a:bodyPr/>
-          <a:lstStyle/>
-          <a:p>
-            <a:r>
-              <a:rPr lang="en-US" dirty="0">
-                <a:hlinkClick r:id="rId2"/>
+          <p:cNvPicPr>
+            <a:picLocks noChangeAspect="1"/>
+          </p:cNvPicPr>
+          <p:nvPr/>
+        </p:nvPicPr>
+        <p:blipFill>
+          <a:blip r:embed="rId2"/>
+          <a:stretch>
+            <a:fillRect/>
+          </a:stretch>
+        </p:blipFill>
+        <p:spPr>
+          <a:xfrm>
+            <a:off x="767080" y="2377440"/>
+            <a:ext cx="5677307" cy="4132072"/>
+          </a:xfrm>
+          <a:prstGeom prst="rect">
+            <a:avLst/>
+          </a:prstGeom>
+        </p:spPr>
+      </p:pic>
+      <p:sp>
+        <p:nvSpPr>
+          <p:cNvPr id="6" name="Rectangle 5">
+            <a:extLst>
+              <a:ext uri="{FF2B5EF4-FFF2-40B4-BE49-F238E27FC236}">
+                <a16:creationId xmlns:a16="http://schemas.microsoft.com/office/drawing/2014/main" id="{58011802-1DFC-4346-A04C-9FEA63BA1529}"/>
+              </a:ext>
+            </a:extLst>
+          </p:cNvPr>
+          <p:cNvSpPr/>
+          <p:nvPr/>
+        </p:nvSpPr>
+        <p:spPr>
+          <a:xfrm>
+            <a:off x="6827520" y="3704812"/>
+            <a:ext cx="5364480" cy="1477328"/>
+          </a:xfrm>
+          <a:prstGeom prst="rect">
+            <a:avLst/>
+          </a:prstGeom>
+        </p:spPr>
+        <p:txBody>
+          <a:bodyPr wrap="square">
+            <a:spAutoFit/>
+          </a:bodyPr>
+          <a:lstStyle/>
+          <a:p>
+            <a:r>
+              <a:rPr lang="en-ID" dirty="0">
+                <a:latin typeface="Arial" panose="020B0604020202020204" pitchFamily="34" charset="0"/>
               </a:rPr>
-              <a:t>https://savvyapps.com/blog/what-makes-a-great-app#:~:text=What%20makes%20an%20app%20great,for%20creating%20a%20great%20app</a:t>
-            </a:r>
-            <a:r>
-              <a:rPr lang="en-US" dirty="0"/>
-              <a:t>.</a:t>
-            </a:r>
-          </a:p>
-          <a:p>
+              <a:t>17+ content has an average lower user rating compared to the other content rating.</a:t>
+            </a:r>
+            <a:br>
+              <a:rPr lang="en-ID" dirty="0"/>
+            </a:br>
+            <a:br>
+              <a:rPr lang="en-ID" dirty="0"/>
+            </a:br>
+            <a:r>
+              <a:rPr lang="en-ID" dirty="0">
+                <a:latin typeface="Arial" panose="020B0604020202020204" pitchFamily="34" charset="0"/>
+              </a:rPr>
+              <a:t>9+ content rating has the highest rating among all ages.</a:t>
+            </a:r>
             <a:endParaRPr lang="en-US" dirty="0"/>
           </a:p>
         </p:txBody>
@@ -4861,7 +6784,7 @@
     </p:spTree>
     <p:extLst>
       <p:ext uri="{BB962C8B-B14F-4D97-AF65-F5344CB8AC3E}">
-        <p14:creationId xmlns:p14="http://schemas.microsoft.com/office/powerpoint/2010/main" val="3115085895"/>
+        <p14:creationId xmlns:p14="http://schemas.microsoft.com/office/powerpoint/2010/main" val="3768272744"/>
       </p:ext>
     </p:extLst>
   </p:cSld>
